--- a/Team Mernates/Team Mernates.pptx
+++ b/Team Mernates/Team Mernates.pptx
@@ -6416,7 +6416,7 @@
                 <a:latin typeface="Adobe Caslon Pro Bold" panose="0205070206050A020403" pitchFamily="18" charset="0"/>
                 <a:ea typeface="맑은 고딕" pitchFamily="50" charset="-127"/>
               </a:rPr>
-              <a:t>Notebook Tracking System</a:t>
+              <a:t>Enfocar</a:t>
             </a:r>
             <a:endParaRPr lang="en-US" altLang="ko-KR" sz="4000" b="1" i="1" dirty="0">
               <a:effectLst>
@@ -6471,13 +6471,8 @@
             </a:r>
             <a:r>
               <a:rPr lang="en-US" altLang="ko-KR" b="1" dirty="0" smtClean="0"/>
-              <a:t>: </a:t>
+              <a:t>: Mernates</a:t>
             </a:r>
-            <a:r>
-              <a:rPr lang="en-US" altLang="ko-KR" b="1" dirty="0" err="1" smtClean="0"/>
-              <a:t>Mernates</a:t>
-            </a:r>
-            <a:endParaRPr lang="en-US" altLang="ko-KR" b="1" dirty="0" smtClean="0"/>
           </a:p>
           <a:p>
             <a:pPr>
@@ -6508,11 +6503,7 @@
             </a:pPr>
             <a:r>
               <a:rPr lang="en-US" altLang="ko-KR" dirty="0" smtClean="0"/>
-              <a:t>Tanmay </a:t>
-            </a:r>
-            <a:r>
-              <a:rPr lang="en-US" altLang="ko-KR" dirty="0" smtClean="0"/>
-              <a:t>Dhanu </a:t>
+              <a:t>Tanmay Dhanu </a:t>
             </a:r>
             <a:endParaRPr lang="en-US" altLang="ko-KR" dirty="0"/>
           </a:p>

--- a/Team Mernates/Team Mernates.pptx
+++ b/Team Mernates/Team Mernates.pptx
@@ -112,7 +112,7 @@
   </p:defaultTextStyle>
   <p:extLst>
     <p:ext uri="{EFAFB233-063F-42B5-8137-9DF3F51BA10A}">
-      <p15:sldGuideLst xmlns:p15="http://schemas.microsoft.com/office/powerpoint/2012/main" xmlns=""/>
+      <p15:sldGuideLst xmlns="" xmlns:p15="http://schemas.microsoft.com/office/powerpoint/2012/main"/>
     </p:ext>
   </p:extLst>
 </p:presentation>
@@ -7010,7 +7010,7 @@
                 <a14:useLocalDpi xmlns:a14="http://schemas.microsoft.com/office/drawing/2010/main" val="0"/>
               </a:ext>
               <a:ext uri="{96DAC541-7B7A-43D3-8B79-37D633B846F1}">
-                <asvg:svgBlip xmlns:asvg="http://schemas.microsoft.com/office/drawing/2016/SVG/main" xmlns="" r:embed="rId2"/>
+                <asvg:svgBlip xmlns="" xmlns:asvg="http://schemas.microsoft.com/office/drawing/2016/SVG/main" r:embed="rId2"/>
               </a:ext>
             </a:extLst>
           </a:blip>
@@ -7077,7 +7077,7 @@
                 <a14:useLocalDpi xmlns:a14="http://schemas.microsoft.com/office/drawing/2010/main" val="0"/>
               </a:ext>
               <a:ext uri="{96DAC541-7B7A-43D3-8B79-37D633B846F1}">
-                <asvg:svgBlip xmlns:asvg="http://schemas.microsoft.com/office/drawing/2016/SVG/main" xmlns="" r:embed="rId4"/>
+                <asvg:svgBlip xmlns="" xmlns:asvg="http://schemas.microsoft.com/office/drawing/2016/SVG/main" r:embed="rId4"/>
               </a:ext>
             </a:extLst>
           </a:blip>
@@ -7144,7 +7144,7 @@
                 <a14:useLocalDpi xmlns:a14="http://schemas.microsoft.com/office/drawing/2010/main" val="0"/>
               </a:ext>
               <a:ext uri="{96DAC541-7B7A-43D3-8B79-37D633B846F1}">
-                <asvg:svgBlip xmlns:asvg="http://schemas.microsoft.com/office/drawing/2016/SVG/main" xmlns="" r:embed="rId6"/>
+                <asvg:svgBlip xmlns="" xmlns:asvg="http://schemas.microsoft.com/office/drawing/2016/SVG/main" r:embed="rId6"/>
               </a:ext>
             </a:extLst>
           </a:blip>
@@ -7211,7 +7211,7 @@
                 <a14:useLocalDpi xmlns:a14="http://schemas.microsoft.com/office/drawing/2010/main" val="0"/>
               </a:ext>
               <a:ext uri="{96DAC541-7B7A-43D3-8B79-37D633B846F1}">
-                <asvg:svgBlip xmlns:asvg="http://schemas.microsoft.com/office/drawing/2016/SVG/main" xmlns="" r:embed="rId8"/>
+                <asvg:svgBlip xmlns="" xmlns:asvg="http://schemas.microsoft.com/office/drawing/2016/SVG/main" r:embed="rId8"/>
               </a:ext>
             </a:extLst>
           </a:blip>
@@ -7522,7 +7522,7 @@
                 <a14:useLocalDpi xmlns:a14="http://schemas.microsoft.com/office/drawing/2010/main" val="0"/>
               </a:ext>
               <a:ext uri="{96DAC541-7B7A-43D3-8B79-37D633B846F1}">
-                <asvg:svgBlip xmlns:asvg="http://schemas.microsoft.com/office/drawing/2016/SVG/main" xmlns="" r:embed="rId2"/>
+                <asvg:svgBlip xmlns="" xmlns:asvg="http://schemas.microsoft.com/office/drawing/2016/SVG/main" r:embed="rId2"/>
               </a:ext>
             </a:extLst>
           </a:blip>
@@ -7582,7 +7582,7 @@
                 <a14:useLocalDpi xmlns:a14="http://schemas.microsoft.com/office/drawing/2010/main" val="0"/>
               </a:ext>
               <a:ext uri="{96DAC541-7B7A-43D3-8B79-37D633B846F1}">
-                <asvg:svgBlip xmlns:asvg="http://schemas.microsoft.com/office/drawing/2016/SVG/main" xmlns="" r:embed="rId4"/>
+                <asvg:svgBlip xmlns="" xmlns:asvg="http://schemas.microsoft.com/office/drawing/2016/SVG/main" r:embed="rId4"/>
               </a:ext>
             </a:extLst>
           </a:blip>
@@ -7642,7 +7642,7 @@
                 <a14:useLocalDpi xmlns:a14="http://schemas.microsoft.com/office/drawing/2010/main" val="0"/>
               </a:ext>
               <a:ext uri="{96DAC541-7B7A-43D3-8B79-37D633B846F1}">
-                <asvg:svgBlip xmlns:asvg="http://schemas.microsoft.com/office/drawing/2016/SVG/main" xmlns="" r:embed="rId6"/>
+                <asvg:svgBlip xmlns="" xmlns:asvg="http://schemas.microsoft.com/office/drawing/2016/SVG/main" r:embed="rId6"/>
               </a:ext>
             </a:extLst>
           </a:blip>
@@ -7702,7 +7702,7 @@
                 <a14:useLocalDpi xmlns:a14="http://schemas.microsoft.com/office/drawing/2010/main" val="0"/>
               </a:ext>
               <a:ext uri="{96DAC541-7B7A-43D3-8B79-37D633B846F1}">
-                <asvg:svgBlip xmlns:asvg="http://schemas.microsoft.com/office/drawing/2016/SVG/main" xmlns="" r:embed="rId8"/>
+                <asvg:svgBlip xmlns="" xmlns:asvg="http://schemas.microsoft.com/office/drawing/2016/SVG/main" r:embed="rId8"/>
               </a:ext>
             </a:extLst>
           </a:blip>
@@ -7934,7 +7934,7 @@
                 <a14:useLocalDpi xmlns:a14="http://schemas.microsoft.com/office/drawing/2010/main" val="0"/>
               </a:ext>
               <a:ext uri="{96DAC541-7B7A-43D3-8B79-37D633B846F1}">
-                <asvg:svgBlip xmlns:asvg="http://schemas.microsoft.com/office/drawing/2016/SVG/main" xmlns="" r:embed="rId2"/>
+                <asvg:svgBlip xmlns="" xmlns:asvg="http://schemas.microsoft.com/office/drawing/2016/SVG/main" r:embed="rId2"/>
               </a:ext>
             </a:extLst>
           </a:blip>
@@ -8008,7 +8008,7 @@
                 <a14:useLocalDpi xmlns:a14="http://schemas.microsoft.com/office/drawing/2010/main" val="0"/>
               </a:ext>
               <a:ext uri="{96DAC541-7B7A-43D3-8B79-37D633B846F1}">
-                <asvg:svgBlip xmlns:asvg="http://schemas.microsoft.com/office/drawing/2016/SVG/main" xmlns="" r:embed="rId4"/>
+                <asvg:svgBlip xmlns="" xmlns:asvg="http://schemas.microsoft.com/office/drawing/2016/SVG/main" r:embed="rId4"/>
               </a:ext>
             </a:extLst>
           </a:blip>
@@ -8154,7 +8154,7 @@
                 <a14:useLocalDpi xmlns:a14="http://schemas.microsoft.com/office/drawing/2010/main" val="0"/>
               </a:ext>
               <a:ext uri="{96DAC541-7B7A-43D3-8B79-37D633B846F1}">
-                <asvg:svgBlip xmlns:asvg="http://schemas.microsoft.com/office/drawing/2016/SVG/main" xmlns="" r:embed="rId2"/>
+                <asvg:svgBlip xmlns="" xmlns:asvg="http://schemas.microsoft.com/office/drawing/2016/SVG/main" r:embed="rId2"/>
               </a:ext>
             </a:extLst>
           </a:blip>
@@ -8309,7 +8309,7 @@
                 <a14:useLocalDpi xmlns:a14="http://schemas.microsoft.com/office/drawing/2010/main" val="0"/>
               </a:ext>
               <a:ext uri="{96DAC541-7B7A-43D3-8B79-37D633B846F1}">
-                <asvg:svgBlip xmlns:asvg="http://schemas.microsoft.com/office/drawing/2016/SVG/main" xmlns="" r:embed="rId4"/>
+                <asvg:svgBlip xmlns="" xmlns:asvg="http://schemas.microsoft.com/office/drawing/2016/SVG/main" r:embed="rId4"/>
               </a:ext>
             </a:extLst>
           </a:blip>
@@ -8461,7 +8461,7 @@
                 <a14:useLocalDpi xmlns:a14="http://schemas.microsoft.com/office/drawing/2010/main" val="0"/>
               </a:ext>
               <a:ext uri="{96DAC541-7B7A-43D3-8B79-37D633B846F1}">
-                <asvg:svgBlip xmlns:asvg="http://schemas.microsoft.com/office/drawing/2016/SVG/main" xmlns="" r:embed="rId6"/>
+                <asvg:svgBlip xmlns="" xmlns:asvg="http://schemas.microsoft.com/office/drawing/2016/SVG/main" r:embed="rId6"/>
               </a:ext>
             </a:extLst>
           </a:blip>
@@ -8613,7 +8613,7 @@
                 <a14:useLocalDpi xmlns:a14="http://schemas.microsoft.com/office/drawing/2010/main" val="0"/>
               </a:ext>
               <a:ext uri="{96DAC541-7B7A-43D3-8B79-37D633B846F1}">
-                <asvg:svgBlip xmlns:asvg="http://schemas.microsoft.com/office/drawing/2016/SVG/main" xmlns="" r:embed="rId8"/>
+                <asvg:svgBlip xmlns="" xmlns:asvg="http://schemas.microsoft.com/office/drawing/2016/SVG/main" r:embed="rId8"/>
               </a:ext>
             </a:extLst>
           </a:blip>
@@ -8735,7 +8735,7 @@
                 <a14:useLocalDpi xmlns:a14="http://schemas.microsoft.com/office/drawing/2010/main" val="0"/>
               </a:ext>
               <a:ext uri="{96DAC541-7B7A-43D3-8B79-37D633B846F1}">
-                <asvg:svgBlip xmlns:asvg="http://schemas.microsoft.com/office/drawing/2016/SVG/main" xmlns="" r:embed="rId2"/>
+                <asvg:svgBlip xmlns="" xmlns:asvg="http://schemas.microsoft.com/office/drawing/2016/SVG/main" r:embed="rId2"/>
               </a:ext>
             </a:extLst>
           </a:blip>
@@ -8853,7 +8853,7 @@
                 <a14:useLocalDpi xmlns:a14="http://schemas.microsoft.com/office/drawing/2010/main" val="0"/>
               </a:ext>
               <a:ext uri="{96DAC541-7B7A-43D3-8B79-37D633B846F1}">
-                <asvg:svgBlip xmlns:asvg="http://schemas.microsoft.com/office/drawing/2016/SVG/main" xmlns="" r:embed="rId4"/>
+                <asvg:svgBlip xmlns="" xmlns:asvg="http://schemas.microsoft.com/office/drawing/2016/SVG/main" r:embed="rId4"/>
               </a:ext>
             </a:extLst>
           </a:blip>
@@ -8974,7 +8974,7 @@
                 <a14:useLocalDpi xmlns:a14="http://schemas.microsoft.com/office/drawing/2010/main" val="0"/>
               </a:ext>
               <a:ext uri="{96DAC541-7B7A-43D3-8B79-37D633B846F1}">
-                <asvg:svgBlip xmlns:asvg="http://schemas.microsoft.com/office/drawing/2016/SVG/main" xmlns="" r:embed="rId6"/>
+                <asvg:svgBlip xmlns="" xmlns:asvg="http://schemas.microsoft.com/office/drawing/2016/SVG/main" r:embed="rId6"/>
               </a:ext>
             </a:extLst>
           </a:blip>
@@ -9095,7 +9095,7 @@
                 <a14:useLocalDpi xmlns:a14="http://schemas.microsoft.com/office/drawing/2010/main" val="0"/>
               </a:ext>
               <a:ext uri="{96DAC541-7B7A-43D3-8B79-37D633B846F1}">
-                <asvg:svgBlip xmlns:asvg="http://schemas.microsoft.com/office/drawing/2016/SVG/main" xmlns="" r:embed="rId8"/>
+                <asvg:svgBlip xmlns="" xmlns:asvg="http://schemas.microsoft.com/office/drawing/2016/SVG/main" r:embed="rId8"/>
               </a:ext>
             </a:extLst>
           </a:blip>
@@ -9267,7 +9267,7 @@
                 <a14:useLocalDpi xmlns:a14="http://schemas.microsoft.com/office/drawing/2010/main" val="0"/>
               </a:ext>
               <a:ext uri="{96DAC541-7B7A-43D3-8B79-37D633B846F1}">
-                <asvg:svgBlip xmlns:asvg="http://schemas.microsoft.com/office/drawing/2016/SVG/main" xmlns="" r:embed="rId2"/>
+                <asvg:svgBlip xmlns="" xmlns:asvg="http://schemas.microsoft.com/office/drawing/2016/SVG/main" r:embed="rId2"/>
               </a:ext>
             </a:extLst>
           </a:blip>
@@ -9419,7 +9419,7 @@
                 <a14:useLocalDpi xmlns:a14="http://schemas.microsoft.com/office/drawing/2010/main" val="0"/>
               </a:ext>
               <a:ext uri="{96DAC541-7B7A-43D3-8B79-37D633B846F1}">
-                <asvg:svgBlip xmlns:asvg="http://schemas.microsoft.com/office/drawing/2016/SVG/main" xmlns="" r:embed="rId4"/>
+                <asvg:svgBlip xmlns="" xmlns:asvg="http://schemas.microsoft.com/office/drawing/2016/SVG/main" r:embed="rId4"/>
               </a:ext>
             </a:extLst>
           </a:blip>
@@ -9790,7 +9790,7 @@
   </dgm:layoutNode>
   <dgm:extLst>
     <a:ext uri="{68A01E43-0DF5-4B5B-8FA6-DAF915123BFB}">
-      <dgm1612:lstStyle xmlns:dgm1612="http://schemas.microsoft.com/office/drawing/2016/12/diagram" xmlns="">
+      <dgm1612:lstStyle xmlns="" xmlns:dgm1612="http://schemas.microsoft.com/office/drawing/2016/12/diagram">
         <a:lvl1pPr>
           <a:lnSpc>
             <a:spcPct val="100000"/>
@@ -9985,7 +9985,7 @@
   </dgm:layoutNode>
   <dgm:extLst>
     <a:ext uri="{68A01E43-0DF5-4B5B-8FA6-DAF915123BFB}">
-      <dgm1612:lstStyle xmlns:dgm1612="http://schemas.microsoft.com/office/drawing/2016/12/diagram" xmlns="">
+      <dgm1612:lstStyle xmlns="" xmlns:dgm1612="http://schemas.microsoft.com/office/drawing/2016/12/diagram">
         <a:lvl1pPr>
           <a:lnSpc>
             <a:spcPct val="100000"/>
@@ -10197,7 +10197,7 @@
   </dgm:layoutNode>
   <dgm:extLst>
     <a:ext uri="{68A01E43-0DF5-4B5B-8FA6-DAF915123BFB}">
-      <dgm1612:lstStyle xmlns:dgm1612="http://schemas.microsoft.com/office/drawing/2016/12/diagram" xmlns="">
+      <dgm1612:lstStyle xmlns="" xmlns:dgm1612="http://schemas.microsoft.com/office/drawing/2016/12/diagram">
         <a:lvl1pPr>
           <a:lnSpc>
             <a:spcPct val="100000"/>
@@ -13333,7 +13333,7 @@
           <p:cNvPr id="10" name="Freeform 6" title="Page Number Shape">
             <a:extLst>
               <a:ext uri="{FF2B5EF4-FFF2-40B4-BE49-F238E27FC236}">
-                <a16:creationId xmlns:a16="http://schemas.microsoft.com/office/drawing/2014/main" xmlns="" id="{DD4C4B28-6B4B-4445-8535-F516D74E4AA9}"/>
+                <a16:creationId xmlns="" xmlns:a16="http://schemas.microsoft.com/office/drawing/2014/main" id="{DD4C4B28-6B4B-4445-8535-F516D74E4AA9}"/>
               </a:ext>
             </a:extLst>
           </p:cNvPr>
@@ -13546,7 +13546,7 @@
           <p:cNvPr id="12" name="Straight Connector 11" title="Verticle Rule Line">
             <a:extLst>
               <a:ext uri="{FF2B5EF4-FFF2-40B4-BE49-F238E27FC236}">
-                <a16:creationId xmlns:a16="http://schemas.microsoft.com/office/drawing/2014/main" xmlns="" id="{0CB1C732-7193-4253-8746-850D090A6B4E}"/>
+                <a16:creationId xmlns="" xmlns:a16="http://schemas.microsoft.com/office/drawing/2014/main" id="{0CB1C732-7193-4253-8746-850D090A6B4E}"/>
               </a:ext>
             </a:extLst>
           </p:cNvPr>
@@ -13589,7 +13589,7 @@
           <p:cNvPr id="2" name="Title 1">
             <a:extLst>
               <a:ext uri="{FF2B5EF4-FFF2-40B4-BE49-F238E27FC236}">
-                <a16:creationId xmlns:a16="http://schemas.microsoft.com/office/drawing/2014/main" xmlns="" id="{F03AA199-952B-427F-A5BE-B97D25FD0733}"/>
+                <a16:creationId xmlns="" xmlns:a16="http://schemas.microsoft.com/office/drawing/2014/main" id="{F03AA199-952B-427F-A5BE-B97D25FD0733}"/>
               </a:ext>
             </a:extLst>
           </p:cNvPr>
@@ -13629,7 +13629,7 @@
           <p:cNvPr id="3" name="Subtitle 2">
             <a:extLst>
               <a:ext uri="{FF2B5EF4-FFF2-40B4-BE49-F238E27FC236}">
-                <a16:creationId xmlns:a16="http://schemas.microsoft.com/office/drawing/2014/main" xmlns="" id="{6A1AA393-A876-475F-A05B-1CCAB6C1F089}"/>
+                <a16:creationId xmlns="" xmlns:a16="http://schemas.microsoft.com/office/drawing/2014/main" id="{6A1AA393-A876-475F-A05B-1CCAB6C1F089}"/>
               </a:ext>
             </a:extLst>
           </p:cNvPr>
@@ -13704,7 +13704,7 @@
           <p:cNvPr id="4" name="Date Placeholder 3">
             <a:extLst>
               <a:ext uri="{FF2B5EF4-FFF2-40B4-BE49-F238E27FC236}">
-                <a16:creationId xmlns:a16="http://schemas.microsoft.com/office/drawing/2014/main" xmlns="" id="{B3395621-D631-4F31-AEEF-C8574E507372}"/>
+                <a16:creationId xmlns="" xmlns:a16="http://schemas.microsoft.com/office/drawing/2014/main" id="{B3395621-D631-4F31-AEEF-C8574E507372}"/>
               </a:ext>
             </a:extLst>
           </p:cNvPr>
@@ -13738,7 +13738,7 @@
           <p:cNvPr id="5" name="Footer Placeholder 4">
             <a:extLst>
               <a:ext uri="{FF2B5EF4-FFF2-40B4-BE49-F238E27FC236}">
-                <a16:creationId xmlns:a16="http://schemas.microsoft.com/office/drawing/2014/main" xmlns="" id="{305EE125-77AD-4E23-AFB7-C5CFDEACACF1}"/>
+                <a16:creationId xmlns="" xmlns:a16="http://schemas.microsoft.com/office/drawing/2014/main" id="{305EE125-77AD-4E23-AFB7-C5CFDEACACF1}"/>
               </a:ext>
             </a:extLst>
           </p:cNvPr>
@@ -13768,7 +13768,7 @@
           <p:cNvPr id="6" name="Slide Number Placeholder 5">
             <a:extLst>
               <a:ext uri="{FF2B5EF4-FFF2-40B4-BE49-F238E27FC236}">
-                <a16:creationId xmlns:a16="http://schemas.microsoft.com/office/drawing/2014/main" xmlns="" id="{DC569682-B530-4F52-87B9-39464A0930B3}"/>
+                <a16:creationId xmlns="" xmlns:a16="http://schemas.microsoft.com/office/drawing/2014/main" id="{DC569682-B530-4F52-87B9-39464A0930B3}"/>
               </a:ext>
             </a:extLst>
           </p:cNvPr>
@@ -13833,7 +13833,7 @@
           <p:cNvPr id="2" name="Title 1">
             <a:extLst>
               <a:ext uri="{FF2B5EF4-FFF2-40B4-BE49-F238E27FC236}">
-                <a16:creationId xmlns:a16="http://schemas.microsoft.com/office/drawing/2014/main" xmlns="" id="{88F59FCF-ACDF-495D-ACFA-15FCAC9EAEE1}"/>
+                <a16:creationId xmlns="" xmlns:a16="http://schemas.microsoft.com/office/drawing/2014/main" id="{88F59FCF-ACDF-495D-ACFA-15FCAC9EAEE1}"/>
               </a:ext>
             </a:extLst>
           </p:cNvPr>
@@ -13861,7 +13861,7 @@
           <p:cNvPr id="3" name="Vertical Text Placeholder 2">
             <a:extLst>
               <a:ext uri="{FF2B5EF4-FFF2-40B4-BE49-F238E27FC236}">
-                <a16:creationId xmlns:a16="http://schemas.microsoft.com/office/drawing/2014/main" xmlns="" id="{1B3786E3-AB17-427E-8EF8-7FCB671A11D7}"/>
+                <a16:creationId xmlns="" xmlns:a16="http://schemas.microsoft.com/office/drawing/2014/main" id="{1B3786E3-AB17-427E-8EF8-7FCB671A11D7}"/>
               </a:ext>
             </a:extLst>
           </p:cNvPr>
@@ -13918,7 +13918,7 @@
           <p:cNvPr id="7" name="Date Placeholder 6">
             <a:extLst>
               <a:ext uri="{FF2B5EF4-FFF2-40B4-BE49-F238E27FC236}">
-                <a16:creationId xmlns:a16="http://schemas.microsoft.com/office/drawing/2014/main" xmlns="" id="{9833B4E9-7A16-448C-8BE6-B14941A34857}"/>
+                <a16:creationId xmlns="" xmlns:a16="http://schemas.microsoft.com/office/drawing/2014/main" id="{9833B4E9-7A16-448C-8BE6-B14941A34857}"/>
               </a:ext>
             </a:extLst>
           </p:cNvPr>
@@ -13949,7 +13949,7 @@
           <p:cNvPr id="8" name="Footer Placeholder 7">
             <a:extLst>
               <a:ext uri="{FF2B5EF4-FFF2-40B4-BE49-F238E27FC236}">
-                <a16:creationId xmlns:a16="http://schemas.microsoft.com/office/drawing/2014/main" xmlns="" id="{579212F5-5835-49FF-836F-5E3008A0EDB1}"/>
+                <a16:creationId xmlns="" xmlns:a16="http://schemas.microsoft.com/office/drawing/2014/main" id="{579212F5-5835-49FF-836F-5E3008A0EDB1}"/>
               </a:ext>
             </a:extLst>
           </p:cNvPr>
@@ -13975,7 +13975,7 @@
           <p:cNvPr id="9" name="Slide Number Placeholder 8">
             <a:extLst>
               <a:ext uri="{FF2B5EF4-FFF2-40B4-BE49-F238E27FC236}">
-                <a16:creationId xmlns:a16="http://schemas.microsoft.com/office/drawing/2014/main" xmlns="" id="{DE9D492B-E5EE-4D24-A087-57D739CFACE8}"/>
+                <a16:creationId xmlns="" xmlns:a16="http://schemas.microsoft.com/office/drawing/2014/main" id="{DE9D492B-E5EE-4D24-A087-57D739CFACE8}"/>
               </a:ext>
             </a:extLst>
           </p:cNvPr>
@@ -14036,7 +14036,7 @@
           <p:cNvPr id="2" name="Vertical Title 1">
             <a:extLst>
               <a:ext uri="{FF2B5EF4-FFF2-40B4-BE49-F238E27FC236}">
-                <a16:creationId xmlns:a16="http://schemas.microsoft.com/office/drawing/2014/main" xmlns="" id="{AA31E395-94BD-4E79-8E42-9CD4EB33CA60}"/>
+                <a16:creationId xmlns="" xmlns:a16="http://schemas.microsoft.com/office/drawing/2014/main" id="{AA31E395-94BD-4E79-8E42-9CD4EB33CA60}"/>
               </a:ext>
             </a:extLst>
           </p:cNvPr>
@@ -14070,7 +14070,7 @@
           <p:cNvPr id="3" name="Vertical Text Placeholder 2">
             <a:extLst>
               <a:ext uri="{FF2B5EF4-FFF2-40B4-BE49-F238E27FC236}">
-                <a16:creationId xmlns:a16="http://schemas.microsoft.com/office/drawing/2014/main" xmlns="" id="{079AA8A4-66BC-4E80-ABE3-F533F82B88CA}"/>
+                <a16:creationId xmlns="" xmlns:a16="http://schemas.microsoft.com/office/drawing/2014/main" id="{079AA8A4-66BC-4E80-ABE3-F533F82B88CA}"/>
               </a:ext>
             </a:extLst>
           </p:cNvPr>
@@ -14133,7 +14133,7 @@
           <p:cNvPr id="7" name="Date Placeholder 6">
             <a:extLst>
               <a:ext uri="{FF2B5EF4-FFF2-40B4-BE49-F238E27FC236}">
-                <a16:creationId xmlns:a16="http://schemas.microsoft.com/office/drawing/2014/main" xmlns="" id="{ADDA4EA6-6A1A-48ED-9D79-A438561C7E79}"/>
+                <a16:creationId xmlns="" xmlns:a16="http://schemas.microsoft.com/office/drawing/2014/main" id="{ADDA4EA6-6A1A-48ED-9D79-A438561C7E79}"/>
               </a:ext>
             </a:extLst>
           </p:cNvPr>
@@ -14164,7 +14164,7 @@
           <p:cNvPr id="8" name="Footer Placeholder 7">
             <a:extLst>
               <a:ext uri="{FF2B5EF4-FFF2-40B4-BE49-F238E27FC236}">
-                <a16:creationId xmlns:a16="http://schemas.microsoft.com/office/drawing/2014/main" xmlns="" id="{F049B2BA-9250-4EBF-8820-10BDA5C1C62B}"/>
+                <a16:creationId xmlns="" xmlns:a16="http://schemas.microsoft.com/office/drawing/2014/main" id="{F049B2BA-9250-4EBF-8820-10BDA5C1C62B}"/>
               </a:ext>
             </a:extLst>
           </p:cNvPr>
@@ -14190,7 +14190,7 @@
           <p:cNvPr id="9" name="Slide Number Placeholder 8">
             <a:extLst>
               <a:ext uri="{FF2B5EF4-FFF2-40B4-BE49-F238E27FC236}">
-                <a16:creationId xmlns:a16="http://schemas.microsoft.com/office/drawing/2014/main" xmlns="" id="{1F914475-55F3-4C46-BAE2-E4D93E9E3781}"/>
+                <a16:creationId xmlns="" xmlns:a16="http://schemas.microsoft.com/office/drawing/2014/main" id="{1F914475-55F3-4C46-BAE2-E4D93E9E3781}"/>
               </a:ext>
             </a:extLst>
           </p:cNvPr>
@@ -14251,7 +14251,7 @@
           <p:cNvPr id="2" name="Title 1">
             <a:extLst>
               <a:ext uri="{FF2B5EF4-FFF2-40B4-BE49-F238E27FC236}">
-                <a16:creationId xmlns:a16="http://schemas.microsoft.com/office/drawing/2014/main" xmlns="" id="{493351BD-5252-4168-A69E-C6864AE29716}"/>
+                <a16:creationId xmlns="" xmlns:a16="http://schemas.microsoft.com/office/drawing/2014/main" id="{493351BD-5252-4168-A69E-C6864AE29716}"/>
               </a:ext>
             </a:extLst>
           </p:cNvPr>
@@ -14279,7 +14279,7 @@
           <p:cNvPr id="3" name="Content Placeholder 2">
             <a:extLst>
               <a:ext uri="{FF2B5EF4-FFF2-40B4-BE49-F238E27FC236}">
-                <a16:creationId xmlns:a16="http://schemas.microsoft.com/office/drawing/2014/main" xmlns="" id="{C9748EEE-19C9-493B-836D-73B9E4A0BE1C}"/>
+                <a16:creationId xmlns="" xmlns:a16="http://schemas.microsoft.com/office/drawing/2014/main" id="{C9748EEE-19C9-493B-836D-73B9E4A0BE1C}"/>
               </a:ext>
             </a:extLst>
           </p:cNvPr>
@@ -14336,7 +14336,7 @@
           <p:cNvPr id="7" name="Date Placeholder 6">
             <a:extLst>
               <a:ext uri="{FF2B5EF4-FFF2-40B4-BE49-F238E27FC236}">
-                <a16:creationId xmlns:a16="http://schemas.microsoft.com/office/drawing/2014/main" xmlns="" id="{47FA6BFE-11ED-4FB4-9F65-508B5B0F0DD3}"/>
+                <a16:creationId xmlns="" xmlns:a16="http://schemas.microsoft.com/office/drawing/2014/main" id="{47FA6BFE-11ED-4FB4-9F65-508B5B0F0DD3}"/>
               </a:ext>
             </a:extLst>
           </p:cNvPr>
@@ -14367,7 +14367,7 @@
           <p:cNvPr id="8" name="Footer Placeholder 7">
             <a:extLst>
               <a:ext uri="{FF2B5EF4-FFF2-40B4-BE49-F238E27FC236}">
-                <a16:creationId xmlns:a16="http://schemas.microsoft.com/office/drawing/2014/main" xmlns="" id="{F90F536E-BEFF-4E0D-B4EC-39DE28C67CC3}"/>
+                <a16:creationId xmlns="" xmlns:a16="http://schemas.microsoft.com/office/drawing/2014/main" id="{F90F536E-BEFF-4E0D-B4EC-39DE28C67CC3}"/>
               </a:ext>
             </a:extLst>
           </p:cNvPr>
@@ -14393,7 +14393,7 @@
           <p:cNvPr id="9" name="Slide Number Placeholder 8">
             <a:extLst>
               <a:ext uri="{FF2B5EF4-FFF2-40B4-BE49-F238E27FC236}">
-                <a16:creationId xmlns:a16="http://schemas.microsoft.com/office/drawing/2014/main" xmlns="" id="{36EE02AF-6FE1-4972-BD48-A82499AD67F6}"/>
+                <a16:creationId xmlns="" xmlns:a16="http://schemas.microsoft.com/office/drawing/2014/main" id="{36EE02AF-6FE1-4972-BD48-A82499AD67F6}"/>
               </a:ext>
             </a:extLst>
           </p:cNvPr>
@@ -14454,7 +14454,7 @@
           <p:cNvPr id="2" name="Title 1">
             <a:extLst>
               <a:ext uri="{FF2B5EF4-FFF2-40B4-BE49-F238E27FC236}">
-                <a16:creationId xmlns:a16="http://schemas.microsoft.com/office/drawing/2014/main" xmlns="" id="{D38452EE-D9FC-4E51-9BFF-141F9192339F}"/>
+                <a16:creationId xmlns="" xmlns:a16="http://schemas.microsoft.com/office/drawing/2014/main" id="{D38452EE-D9FC-4E51-9BFF-141F9192339F}"/>
               </a:ext>
             </a:extLst>
           </p:cNvPr>
@@ -14492,7 +14492,7 @@
           <p:cNvPr id="3" name="Text Placeholder 2">
             <a:extLst>
               <a:ext uri="{FF2B5EF4-FFF2-40B4-BE49-F238E27FC236}">
-                <a16:creationId xmlns:a16="http://schemas.microsoft.com/office/drawing/2014/main" xmlns="" id="{51E086C4-4949-4E7A-A182-6709496A1C38}"/>
+                <a16:creationId xmlns="" xmlns:a16="http://schemas.microsoft.com/office/drawing/2014/main" id="{51E086C4-4949-4E7A-A182-6709496A1C38}"/>
               </a:ext>
             </a:extLst>
           </p:cNvPr>
@@ -14620,7 +14620,7 @@
           <p:cNvPr id="7" name="Date Placeholder 6">
             <a:extLst>
               <a:ext uri="{FF2B5EF4-FFF2-40B4-BE49-F238E27FC236}">
-                <a16:creationId xmlns:a16="http://schemas.microsoft.com/office/drawing/2014/main" xmlns="" id="{3D12BC88-6A2B-4851-9568-23A4B74D9F98}"/>
+                <a16:creationId xmlns="" xmlns:a16="http://schemas.microsoft.com/office/drawing/2014/main" id="{3D12BC88-6A2B-4851-9568-23A4B74D9F98}"/>
               </a:ext>
             </a:extLst>
           </p:cNvPr>
@@ -14651,7 +14651,7 @@
           <p:cNvPr id="8" name="Footer Placeholder 7">
             <a:extLst>
               <a:ext uri="{FF2B5EF4-FFF2-40B4-BE49-F238E27FC236}">
-                <a16:creationId xmlns:a16="http://schemas.microsoft.com/office/drawing/2014/main" xmlns="" id="{D882CFE5-65C3-4F46-9141-4645455947D2}"/>
+                <a16:creationId xmlns="" xmlns:a16="http://schemas.microsoft.com/office/drawing/2014/main" id="{D882CFE5-65C3-4F46-9141-4645455947D2}"/>
               </a:ext>
             </a:extLst>
           </p:cNvPr>
@@ -14677,7 +14677,7 @@
           <p:cNvPr id="9" name="Slide Number Placeholder 8">
             <a:extLst>
               <a:ext uri="{FF2B5EF4-FFF2-40B4-BE49-F238E27FC236}">
-                <a16:creationId xmlns:a16="http://schemas.microsoft.com/office/drawing/2014/main" xmlns="" id="{5321B390-4E13-4481-AC02-FF126656C4C9}"/>
+                <a16:creationId xmlns="" xmlns:a16="http://schemas.microsoft.com/office/drawing/2014/main" id="{5321B390-4E13-4481-AC02-FF126656C4C9}"/>
               </a:ext>
             </a:extLst>
           </p:cNvPr>
@@ -14738,7 +14738,7 @@
           <p:cNvPr id="3" name="Content Placeholder 2">
             <a:extLst>
               <a:ext uri="{FF2B5EF4-FFF2-40B4-BE49-F238E27FC236}">
-                <a16:creationId xmlns:a16="http://schemas.microsoft.com/office/drawing/2014/main" xmlns="" id="{640E02F8-47BB-4D30-8EFE-69C9222D9EC4}"/>
+                <a16:creationId xmlns="" xmlns:a16="http://schemas.microsoft.com/office/drawing/2014/main" id="{640E02F8-47BB-4D30-8EFE-69C9222D9EC4}"/>
               </a:ext>
             </a:extLst>
           </p:cNvPr>
@@ -14801,7 +14801,7 @@
           <p:cNvPr id="4" name="Content Placeholder 3">
             <a:extLst>
               <a:ext uri="{FF2B5EF4-FFF2-40B4-BE49-F238E27FC236}">
-                <a16:creationId xmlns:a16="http://schemas.microsoft.com/office/drawing/2014/main" xmlns="" id="{DA844D33-6BF0-4205-A542-8537E3515938}"/>
+                <a16:creationId xmlns="" xmlns:a16="http://schemas.microsoft.com/office/drawing/2014/main" id="{DA844D33-6BF0-4205-A542-8537E3515938}"/>
               </a:ext>
             </a:extLst>
           </p:cNvPr>
@@ -14864,7 +14864,7 @@
           <p:cNvPr id="9" name="Date Placeholder 8">
             <a:extLst>
               <a:ext uri="{FF2B5EF4-FFF2-40B4-BE49-F238E27FC236}">
-                <a16:creationId xmlns:a16="http://schemas.microsoft.com/office/drawing/2014/main" xmlns="" id="{D6953A83-D2BE-4015-8D64-BE93DDFE5D21}"/>
+                <a16:creationId xmlns="" xmlns:a16="http://schemas.microsoft.com/office/drawing/2014/main" id="{D6953A83-D2BE-4015-8D64-BE93DDFE5D21}"/>
               </a:ext>
             </a:extLst>
           </p:cNvPr>
@@ -14895,7 +14895,7 @@
           <p:cNvPr id="10" name="Footer Placeholder 9">
             <a:extLst>
               <a:ext uri="{FF2B5EF4-FFF2-40B4-BE49-F238E27FC236}">
-                <a16:creationId xmlns:a16="http://schemas.microsoft.com/office/drawing/2014/main" xmlns="" id="{BA849E67-05F9-4033-B033-74D6B8C8E771}"/>
+                <a16:creationId xmlns="" xmlns:a16="http://schemas.microsoft.com/office/drawing/2014/main" id="{BA849E67-05F9-4033-B033-74D6B8C8E771}"/>
               </a:ext>
             </a:extLst>
           </p:cNvPr>
@@ -14921,7 +14921,7 @@
           <p:cNvPr id="11" name="Slide Number Placeholder 10">
             <a:extLst>
               <a:ext uri="{FF2B5EF4-FFF2-40B4-BE49-F238E27FC236}">
-                <a16:creationId xmlns:a16="http://schemas.microsoft.com/office/drawing/2014/main" xmlns="" id="{DFAAC6AA-CFFB-438F-9327-DDB023E2E149}"/>
+                <a16:creationId xmlns="" xmlns:a16="http://schemas.microsoft.com/office/drawing/2014/main" id="{DFAAC6AA-CFFB-438F-9327-DDB023E2E149}"/>
               </a:ext>
             </a:extLst>
           </p:cNvPr>
@@ -14952,7 +14952,7 @@
           <p:cNvPr id="5" name="Title 4">
             <a:extLst>
               <a:ext uri="{FF2B5EF4-FFF2-40B4-BE49-F238E27FC236}">
-                <a16:creationId xmlns:a16="http://schemas.microsoft.com/office/drawing/2014/main" xmlns="" id="{BA4960CB-ABA7-4442-AB15-FE444F23C63C}"/>
+                <a16:creationId xmlns="" xmlns:a16="http://schemas.microsoft.com/office/drawing/2014/main" id="{BA4960CB-ABA7-4442-AB15-FE444F23C63C}"/>
               </a:ext>
             </a:extLst>
           </p:cNvPr>
@@ -15010,7 +15010,7 @@
           <p:cNvPr id="3" name="Text Placeholder 2">
             <a:extLst>
               <a:ext uri="{FF2B5EF4-FFF2-40B4-BE49-F238E27FC236}">
-                <a16:creationId xmlns:a16="http://schemas.microsoft.com/office/drawing/2014/main" xmlns="" id="{B8348291-9C7D-407E-8D07-FA3A323EA973}"/>
+                <a16:creationId xmlns="" xmlns:a16="http://schemas.microsoft.com/office/drawing/2014/main" id="{B8348291-9C7D-407E-8D07-FA3A323EA973}"/>
               </a:ext>
             </a:extLst>
           </p:cNvPr>
@@ -15081,7 +15081,7 @@
           <p:cNvPr id="4" name="Content Placeholder 3">
             <a:extLst>
               <a:ext uri="{FF2B5EF4-FFF2-40B4-BE49-F238E27FC236}">
-                <a16:creationId xmlns:a16="http://schemas.microsoft.com/office/drawing/2014/main" xmlns="" id="{91A192D2-8BA6-4A4D-814D-AD37A2A10AC8}"/>
+                <a16:creationId xmlns="" xmlns:a16="http://schemas.microsoft.com/office/drawing/2014/main" id="{91A192D2-8BA6-4A4D-814D-AD37A2A10AC8}"/>
               </a:ext>
             </a:extLst>
           </p:cNvPr>
@@ -15144,7 +15144,7 @@
           <p:cNvPr id="5" name="Text Placeholder 4">
             <a:extLst>
               <a:ext uri="{FF2B5EF4-FFF2-40B4-BE49-F238E27FC236}">
-                <a16:creationId xmlns:a16="http://schemas.microsoft.com/office/drawing/2014/main" xmlns="" id="{586FD4BC-C948-41C4-BA24-5D26147E1C97}"/>
+                <a16:creationId xmlns="" xmlns:a16="http://schemas.microsoft.com/office/drawing/2014/main" id="{586FD4BC-C948-41C4-BA24-5D26147E1C97}"/>
               </a:ext>
             </a:extLst>
           </p:cNvPr>
@@ -15215,7 +15215,7 @@
           <p:cNvPr id="6" name="Content Placeholder 5">
             <a:extLst>
               <a:ext uri="{FF2B5EF4-FFF2-40B4-BE49-F238E27FC236}">
-                <a16:creationId xmlns:a16="http://schemas.microsoft.com/office/drawing/2014/main" xmlns="" id="{412E359C-F73D-4F1B-9F9A-6D628567105D}"/>
+                <a16:creationId xmlns="" xmlns:a16="http://schemas.microsoft.com/office/drawing/2014/main" id="{412E359C-F73D-4F1B-9F9A-6D628567105D}"/>
               </a:ext>
             </a:extLst>
           </p:cNvPr>
@@ -15278,7 +15278,7 @@
           <p:cNvPr id="10" name="Title 9">
             <a:extLst>
               <a:ext uri="{FF2B5EF4-FFF2-40B4-BE49-F238E27FC236}">
-                <a16:creationId xmlns:a16="http://schemas.microsoft.com/office/drawing/2014/main" xmlns="" id="{D76B63AE-38FF-40DD-A543-32DD98E6BDB2}"/>
+                <a16:creationId xmlns="" xmlns:a16="http://schemas.microsoft.com/office/drawing/2014/main" id="{D76B63AE-38FF-40DD-A543-32DD98E6BDB2}"/>
               </a:ext>
             </a:extLst>
           </p:cNvPr>
@@ -15307,7 +15307,7 @@
           <p:cNvPr id="12" name="Date Placeholder 11">
             <a:extLst>
               <a:ext uri="{FF2B5EF4-FFF2-40B4-BE49-F238E27FC236}">
-                <a16:creationId xmlns:a16="http://schemas.microsoft.com/office/drawing/2014/main" xmlns="" id="{C686C0EB-E082-4BAB-99E8-B42F3C28B20F}"/>
+                <a16:creationId xmlns="" xmlns:a16="http://schemas.microsoft.com/office/drawing/2014/main" id="{C686C0EB-E082-4BAB-99E8-B42F3C28B20F}"/>
               </a:ext>
             </a:extLst>
           </p:cNvPr>
@@ -15338,7 +15338,7 @@
           <p:cNvPr id="13" name="Footer Placeholder 12">
             <a:extLst>
               <a:ext uri="{FF2B5EF4-FFF2-40B4-BE49-F238E27FC236}">
-                <a16:creationId xmlns:a16="http://schemas.microsoft.com/office/drawing/2014/main" xmlns="" id="{B3CB0152-BA1F-48C7-A66F-3ADB51C94B97}"/>
+                <a16:creationId xmlns="" xmlns:a16="http://schemas.microsoft.com/office/drawing/2014/main" id="{B3CB0152-BA1F-48C7-A66F-3ADB51C94B97}"/>
               </a:ext>
             </a:extLst>
           </p:cNvPr>
@@ -15364,7 +15364,7 @@
           <p:cNvPr id="14" name="Slide Number Placeholder 13">
             <a:extLst>
               <a:ext uri="{FF2B5EF4-FFF2-40B4-BE49-F238E27FC236}">
-                <a16:creationId xmlns:a16="http://schemas.microsoft.com/office/drawing/2014/main" xmlns="" id="{BD1C21B3-5CF6-415F-8295-EED3DF5CB55C}"/>
+                <a16:creationId xmlns="" xmlns:a16="http://schemas.microsoft.com/office/drawing/2014/main" id="{BD1C21B3-5CF6-415F-8295-EED3DF5CB55C}"/>
               </a:ext>
             </a:extLst>
           </p:cNvPr>
@@ -15425,7 +15425,7 @@
           <p:cNvPr id="2" name="Title 1">
             <a:extLst>
               <a:ext uri="{FF2B5EF4-FFF2-40B4-BE49-F238E27FC236}">
-                <a16:creationId xmlns:a16="http://schemas.microsoft.com/office/drawing/2014/main" xmlns="" id="{B8D470D5-4EB9-4410-A8AE-6D85F19239FF}"/>
+                <a16:creationId xmlns="" xmlns:a16="http://schemas.microsoft.com/office/drawing/2014/main" id="{B8D470D5-4EB9-4410-A8AE-6D85F19239FF}"/>
               </a:ext>
             </a:extLst>
           </p:cNvPr>
@@ -15453,7 +15453,7 @@
           <p:cNvPr id="6" name="Date Placeholder 5">
             <a:extLst>
               <a:ext uri="{FF2B5EF4-FFF2-40B4-BE49-F238E27FC236}">
-                <a16:creationId xmlns:a16="http://schemas.microsoft.com/office/drawing/2014/main" xmlns="" id="{5887FB59-BA77-4864-B9E8-994851250CB4}"/>
+                <a16:creationId xmlns="" xmlns:a16="http://schemas.microsoft.com/office/drawing/2014/main" id="{5887FB59-BA77-4864-B9E8-994851250CB4}"/>
               </a:ext>
             </a:extLst>
           </p:cNvPr>
@@ -15484,7 +15484,7 @@
           <p:cNvPr id="7" name="Footer Placeholder 6">
             <a:extLst>
               <a:ext uri="{FF2B5EF4-FFF2-40B4-BE49-F238E27FC236}">
-                <a16:creationId xmlns:a16="http://schemas.microsoft.com/office/drawing/2014/main" xmlns="" id="{B6F0BC0B-BA67-455B-B567-1473DF0628BE}"/>
+                <a16:creationId xmlns="" xmlns:a16="http://schemas.microsoft.com/office/drawing/2014/main" id="{B6F0BC0B-BA67-455B-B567-1473DF0628BE}"/>
               </a:ext>
             </a:extLst>
           </p:cNvPr>
@@ -15510,7 +15510,7 @@
           <p:cNvPr id="8" name="Slide Number Placeholder 7">
             <a:extLst>
               <a:ext uri="{FF2B5EF4-FFF2-40B4-BE49-F238E27FC236}">
-                <a16:creationId xmlns:a16="http://schemas.microsoft.com/office/drawing/2014/main" xmlns="" id="{2CF0BCF3-6FB5-4529-AA6A-A31467351EF5}"/>
+                <a16:creationId xmlns="" xmlns:a16="http://schemas.microsoft.com/office/drawing/2014/main" id="{2CF0BCF3-6FB5-4529-AA6A-A31467351EF5}"/>
               </a:ext>
             </a:extLst>
           </p:cNvPr>
@@ -15571,7 +15571,7 @@
           <p:cNvPr id="5" name="Date Placeholder 4">
             <a:extLst>
               <a:ext uri="{FF2B5EF4-FFF2-40B4-BE49-F238E27FC236}">
-                <a16:creationId xmlns:a16="http://schemas.microsoft.com/office/drawing/2014/main" xmlns="" id="{4BF1315B-6865-4A5A-91C1-B75339038903}"/>
+                <a16:creationId xmlns="" xmlns:a16="http://schemas.microsoft.com/office/drawing/2014/main" id="{4BF1315B-6865-4A5A-91C1-B75339038903}"/>
               </a:ext>
             </a:extLst>
           </p:cNvPr>
@@ -15602,7 +15602,7 @@
           <p:cNvPr id="6" name="Footer Placeholder 5">
             <a:extLst>
               <a:ext uri="{FF2B5EF4-FFF2-40B4-BE49-F238E27FC236}">
-                <a16:creationId xmlns:a16="http://schemas.microsoft.com/office/drawing/2014/main" xmlns="" id="{DD536720-08C7-43DE-8EB5-CAB52D0E96B1}"/>
+                <a16:creationId xmlns="" xmlns:a16="http://schemas.microsoft.com/office/drawing/2014/main" id="{DD536720-08C7-43DE-8EB5-CAB52D0E96B1}"/>
               </a:ext>
             </a:extLst>
           </p:cNvPr>
@@ -15628,7 +15628,7 @@
           <p:cNvPr id="7" name="Slide Number Placeholder 6">
             <a:extLst>
               <a:ext uri="{FF2B5EF4-FFF2-40B4-BE49-F238E27FC236}">
-                <a16:creationId xmlns:a16="http://schemas.microsoft.com/office/drawing/2014/main" xmlns="" id="{6D2477AF-B012-491C-AE42-22DE1203BE8D}"/>
+                <a16:creationId xmlns="" xmlns:a16="http://schemas.microsoft.com/office/drawing/2014/main" id="{6D2477AF-B012-491C-AE42-22DE1203BE8D}"/>
               </a:ext>
             </a:extLst>
           </p:cNvPr>
@@ -15689,7 +15689,7 @@
           <p:cNvPr id="3" name="Content Placeholder 2">
             <a:extLst>
               <a:ext uri="{FF2B5EF4-FFF2-40B4-BE49-F238E27FC236}">
-                <a16:creationId xmlns:a16="http://schemas.microsoft.com/office/drawing/2014/main" xmlns="" id="{DED183AC-72A9-43F5-A1B3-1D7A6A4C7EEB}"/>
+                <a16:creationId xmlns="" xmlns:a16="http://schemas.microsoft.com/office/drawing/2014/main" id="{DED183AC-72A9-43F5-A1B3-1D7A6A4C7EEB}"/>
               </a:ext>
             </a:extLst>
           </p:cNvPr>
@@ -15782,7 +15782,7 @@
           <p:cNvPr id="4" name="Text Placeholder 3">
             <a:extLst>
               <a:ext uri="{FF2B5EF4-FFF2-40B4-BE49-F238E27FC236}">
-                <a16:creationId xmlns:a16="http://schemas.microsoft.com/office/drawing/2014/main" xmlns="" id="{C4045592-52ED-4270-ACBB-BCC528DAC407}"/>
+                <a16:creationId xmlns="" xmlns:a16="http://schemas.microsoft.com/office/drawing/2014/main" id="{C4045592-52ED-4270-ACBB-BCC528DAC407}"/>
               </a:ext>
             </a:extLst>
           </p:cNvPr>
@@ -15855,7 +15855,7 @@
           <p:cNvPr id="9" name="Date Placeholder 8">
             <a:extLst>
               <a:ext uri="{FF2B5EF4-FFF2-40B4-BE49-F238E27FC236}">
-                <a16:creationId xmlns:a16="http://schemas.microsoft.com/office/drawing/2014/main" xmlns="" id="{99A93518-F9B5-418F-9883-BEF8359B045A}"/>
+                <a16:creationId xmlns="" xmlns:a16="http://schemas.microsoft.com/office/drawing/2014/main" id="{99A93518-F9B5-418F-9883-BEF8359B045A}"/>
               </a:ext>
             </a:extLst>
           </p:cNvPr>
@@ -15886,7 +15886,7 @@
           <p:cNvPr id="10" name="Footer Placeholder 9">
             <a:extLst>
               <a:ext uri="{FF2B5EF4-FFF2-40B4-BE49-F238E27FC236}">
-                <a16:creationId xmlns:a16="http://schemas.microsoft.com/office/drawing/2014/main" xmlns="" id="{27B9FFE7-C4AB-425B-9B56-E412C72212A0}"/>
+                <a16:creationId xmlns="" xmlns:a16="http://schemas.microsoft.com/office/drawing/2014/main" id="{27B9FFE7-C4AB-425B-9B56-E412C72212A0}"/>
               </a:ext>
             </a:extLst>
           </p:cNvPr>
@@ -15912,7 +15912,7 @@
           <p:cNvPr id="11" name="Slide Number Placeholder 10">
             <a:extLst>
               <a:ext uri="{FF2B5EF4-FFF2-40B4-BE49-F238E27FC236}">
-                <a16:creationId xmlns:a16="http://schemas.microsoft.com/office/drawing/2014/main" xmlns="" id="{59231052-EBA8-4781-B28A-2FEA8BE523F3}"/>
+                <a16:creationId xmlns="" xmlns:a16="http://schemas.microsoft.com/office/drawing/2014/main" id="{59231052-EBA8-4781-B28A-2FEA8BE523F3}"/>
               </a:ext>
             </a:extLst>
           </p:cNvPr>
@@ -15943,7 +15943,7 @@
           <p:cNvPr id="2" name="Title 1">
             <a:extLst>
               <a:ext uri="{FF2B5EF4-FFF2-40B4-BE49-F238E27FC236}">
-                <a16:creationId xmlns:a16="http://schemas.microsoft.com/office/drawing/2014/main" xmlns="" id="{CBDBF9E7-F686-4FA1-9BA5-69BDD014B0D3}"/>
+                <a16:creationId xmlns="" xmlns:a16="http://schemas.microsoft.com/office/drawing/2014/main" id="{CBDBF9E7-F686-4FA1-9BA5-69BDD014B0D3}"/>
               </a:ext>
             </a:extLst>
           </p:cNvPr>
@@ -16007,7 +16007,7 @@
           <p:cNvPr id="3" name="Picture Placeholder 2">
             <a:extLst>
               <a:ext uri="{FF2B5EF4-FFF2-40B4-BE49-F238E27FC236}">
-                <a16:creationId xmlns:a16="http://schemas.microsoft.com/office/drawing/2014/main" xmlns="" id="{D116CF06-B27C-4DC4-981D-38E31997BD16}"/>
+                <a16:creationId xmlns="" xmlns:a16="http://schemas.microsoft.com/office/drawing/2014/main" id="{D116CF06-B27C-4DC4-981D-38E31997BD16}"/>
               </a:ext>
             </a:extLst>
           </p:cNvPr>
@@ -16077,7 +16077,7 @@
           <p:cNvPr id="4" name="Text Placeholder 3">
             <a:extLst>
               <a:ext uri="{FF2B5EF4-FFF2-40B4-BE49-F238E27FC236}">
-                <a16:creationId xmlns:a16="http://schemas.microsoft.com/office/drawing/2014/main" xmlns="" id="{E1976E66-2CB3-4F47-97F6-077C42818316}"/>
+                <a16:creationId xmlns="" xmlns:a16="http://schemas.microsoft.com/office/drawing/2014/main" id="{E1976E66-2CB3-4F47-97F6-077C42818316}"/>
               </a:ext>
             </a:extLst>
           </p:cNvPr>
@@ -16150,7 +16150,7 @@
           <p:cNvPr id="9" name="Date Placeholder 8">
             <a:extLst>
               <a:ext uri="{FF2B5EF4-FFF2-40B4-BE49-F238E27FC236}">
-                <a16:creationId xmlns:a16="http://schemas.microsoft.com/office/drawing/2014/main" xmlns="" id="{71414C9F-CBBD-4D5E-A831-BC0CDFEBCEF3}"/>
+                <a16:creationId xmlns="" xmlns:a16="http://schemas.microsoft.com/office/drawing/2014/main" id="{71414C9F-CBBD-4D5E-A831-BC0CDFEBCEF3}"/>
               </a:ext>
             </a:extLst>
           </p:cNvPr>
@@ -16181,7 +16181,7 @@
           <p:cNvPr id="10" name="Footer Placeholder 9">
             <a:extLst>
               <a:ext uri="{FF2B5EF4-FFF2-40B4-BE49-F238E27FC236}">
-                <a16:creationId xmlns:a16="http://schemas.microsoft.com/office/drawing/2014/main" xmlns="" id="{F58DC0C8-B580-442D-8DAC-4F0F869B1F11}"/>
+                <a16:creationId xmlns="" xmlns:a16="http://schemas.microsoft.com/office/drawing/2014/main" id="{F58DC0C8-B580-442D-8DAC-4F0F869B1F11}"/>
               </a:ext>
             </a:extLst>
           </p:cNvPr>
@@ -16207,7 +16207,7 @@
           <p:cNvPr id="11" name="Slide Number Placeholder 10">
             <a:extLst>
               <a:ext uri="{FF2B5EF4-FFF2-40B4-BE49-F238E27FC236}">
-                <a16:creationId xmlns:a16="http://schemas.microsoft.com/office/drawing/2014/main" xmlns="" id="{1B0D29E8-DFEE-49AB-83AF-85FF25252A3C}"/>
+                <a16:creationId xmlns="" xmlns:a16="http://schemas.microsoft.com/office/drawing/2014/main" id="{1B0D29E8-DFEE-49AB-83AF-85FF25252A3C}"/>
               </a:ext>
             </a:extLst>
           </p:cNvPr>
@@ -16238,7 +16238,7 @@
           <p:cNvPr id="2" name="Title 1">
             <a:extLst>
               <a:ext uri="{FF2B5EF4-FFF2-40B4-BE49-F238E27FC236}">
-                <a16:creationId xmlns:a16="http://schemas.microsoft.com/office/drawing/2014/main" xmlns="" id="{D0EAAF1B-6B6E-4D37-8F57-E403C6371A00}"/>
+                <a16:creationId xmlns="" xmlns:a16="http://schemas.microsoft.com/office/drawing/2014/main" id="{D0EAAF1B-6B6E-4D37-8F57-E403C6371A00}"/>
               </a:ext>
             </a:extLst>
           </p:cNvPr>
@@ -16313,7 +16313,7 @@
           <p:cNvPr id="8" name="Freeform 6" title="Page Number Shape">
             <a:extLst>
               <a:ext uri="{FF2B5EF4-FFF2-40B4-BE49-F238E27FC236}">
-                <a16:creationId xmlns:a16="http://schemas.microsoft.com/office/drawing/2014/main" xmlns="" id="{72411438-92A5-42B0-9C54-EA4FB32ACB5E}"/>
+                <a16:creationId xmlns="" xmlns:a16="http://schemas.microsoft.com/office/drawing/2014/main" id="{72411438-92A5-42B0-9C54-EA4FB32ACB5E}"/>
               </a:ext>
             </a:extLst>
           </p:cNvPr>
@@ -16526,7 +16526,7 @@
           <p:cNvPr id="2" name="Title Placeholder 1">
             <a:extLst>
               <a:ext uri="{FF2B5EF4-FFF2-40B4-BE49-F238E27FC236}">
-                <a16:creationId xmlns:a16="http://schemas.microsoft.com/office/drawing/2014/main" xmlns="" id="{0D56E4D8-47B6-4DEC-BD29-B3B6ED4CC739}"/>
+                <a16:creationId xmlns="" xmlns:a16="http://schemas.microsoft.com/office/drawing/2014/main" id="{0D56E4D8-47B6-4DEC-BD29-B3B6ED4CC739}"/>
               </a:ext>
             </a:extLst>
           </p:cNvPr>
@@ -16565,7 +16565,7 @@
           <p:cNvPr id="3" name="Text Placeholder 2">
             <a:extLst>
               <a:ext uri="{FF2B5EF4-FFF2-40B4-BE49-F238E27FC236}">
-                <a16:creationId xmlns:a16="http://schemas.microsoft.com/office/drawing/2014/main" xmlns="" id="{3F0F5D4C-4873-4052-A294-99CCB9421C4A}"/>
+                <a16:creationId xmlns="" xmlns:a16="http://schemas.microsoft.com/office/drawing/2014/main" id="{3F0F5D4C-4873-4052-A294-99CCB9421C4A}"/>
               </a:ext>
             </a:extLst>
           </p:cNvPr>
@@ -16632,7 +16632,7 @@
           <p:cNvPr id="4" name="Date Placeholder 3">
             <a:extLst>
               <a:ext uri="{FF2B5EF4-FFF2-40B4-BE49-F238E27FC236}">
-                <a16:creationId xmlns:a16="http://schemas.microsoft.com/office/drawing/2014/main" xmlns="" id="{241D62B3-3490-46B4-A10E-33FCE4A1FBB5}"/>
+                <a16:creationId xmlns="" xmlns:a16="http://schemas.microsoft.com/office/drawing/2014/main" id="{241D62B3-3490-46B4-A10E-33FCE4A1FBB5}"/>
               </a:ext>
             </a:extLst>
           </p:cNvPr>
@@ -16682,7 +16682,7 @@
           <p:cNvPr id="5" name="Footer Placeholder 4">
             <a:extLst>
               <a:ext uri="{FF2B5EF4-FFF2-40B4-BE49-F238E27FC236}">
-                <a16:creationId xmlns:a16="http://schemas.microsoft.com/office/drawing/2014/main" xmlns="" id="{97424CB1-7D5F-4F52-9F99-7068F5819E8C}"/>
+                <a16:creationId xmlns="" xmlns:a16="http://schemas.microsoft.com/office/drawing/2014/main" id="{97424CB1-7D5F-4F52-9F99-7068F5819E8C}"/>
               </a:ext>
             </a:extLst>
           </p:cNvPr>
@@ -16727,7 +16727,7 @@
           <p:cNvPr id="6" name="Slide Number Placeholder 5">
             <a:extLst>
               <a:ext uri="{FF2B5EF4-FFF2-40B4-BE49-F238E27FC236}">
-                <a16:creationId xmlns:a16="http://schemas.microsoft.com/office/drawing/2014/main" xmlns="" id="{1A1F9CC9-1431-4569-B2F1-D04814955381}"/>
+                <a16:creationId xmlns="" xmlns:a16="http://schemas.microsoft.com/office/drawing/2014/main" id="{1A1F9CC9-1431-4569-B2F1-D04814955381}"/>
               </a:ext>
             </a:extLst>
           </p:cNvPr>
@@ -17133,10 +17133,10 @@
           <p:cNvPr id="80" name="Freeform 6">
             <a:extLst>
               <a:ext uri="{FF2B5EF4-FFF2-40B4-BE49-F238E27FC236}">
-                <a16:creationId xmlns:a16="http://schemas.microsoft.com/office/drawing/2014/main" xmlns="" id="{72411438-92A5-42B0-9C54-EA4FB32ACB5E}"/>
+                <a16:creationId xmlns="" xmlns:a16="http://schemas.microsoft.com/office/drawing/2014/main" id="{72411438-92A5-42B0-9C54-EA4FB32ACB5E}"/>
               </a:ext>
               <a:ext uri="{C183D7F6-B498-43B3-948B-1728B52AA6E4}">
-                <adec:decorative xmlns:adec="http://schemas.microsoft.com/office/drawing/2017/decorative" xmlns="" val="1"/>
+                <adec:decorative xmlns="" xmlns:adec="http://schemas.microsoft.com/office/drawing/2017/decorative" val="1"/>
               </a:ext>
             </a:extLst>
           </p:cNvPr>
@@ -17146,7 +17146,7 @@
           <p:nvPr>
             <p:extLst>
               <p:ext uri="{386F3935-93C4-4BCD-93E2-E3B085C9AB24}">
-                <p16:designElem xmlns:p16="http://schemas.microsoft.com/office/powerpoint/2015/main" xmlns="" val="1"/>
+                <p16:designElem xmlns="" xmlns:p16="http://schemas.microsoft.com/office/powerpoint/2015/main" val="1"/>
               </p:ext>
             </p:extLst>
           </p:nvPr>
@@ -17357,10 +17357,10 @@
           <p:cNvPr id="82" name="Rectangle 81">
             <a:extLst>
               <a:ext uri="{FF2B5EF4-FFF2-40B4-BE49-F238E27FC236}">
-                <a16:creationId xmlns:a16="http://schemas.microsoft.com/office/drawing/2014/main" xmlns="" id="{C5176844-69C3-4F79-BE38-EA5BDDF4FEA4}"/>
+                <a16:creationId xmlns="" xmlns:a16="http://schemas.microsoft.com/office/drawing/2014/main" id="{C5176844-69C3-4F79-BE38-EA5BDDF4FEA4}"/>
               </a:ext>
               <a:ext uri="{C183D7F6-B498-43B3-948B-1728B52AA6E4}">
-                <adec:decorative xmlns:adec="http://schemas.microsoft.com/office/drawing/2017/decorative" xmlns="" val="1"/>
+                <adec:decorative xmlns="" xmlns:adec="http://schemas.microsoft.com/office/drawing/2017/decorative" val="1"/>
               </a:ext>
             </a:extLst>
           </p:cNvPr>
@@ -17370,7 +17370,7 @@
           <p:nvPr>
             <p:extLst>
               <p:ext uri="{386F3935-93C4-4BCD-93E2-E3B085C9AB24}">
-                <p16:designElem xmlns:p16="http://schemas.microsoft.com/office/powerpoint/2015/main" xmlns="" val="1"/>
+                <p16:designElem xmlns="" xmlns:p16="http://schemas.microsoft.com/office/powerpoint/2015/main" val="1"/>
               </p:ext>
             </p:extLst>
           </p:nvPr>
@@ -17436,41 +17436,13 @@
           <a:p>
             <a:pPr algn="ctr"/>
             <a:r>
-              <a:rPr lang="en-US" sz="5700" b="1" dirty="0">
+              <a:rPr lang="en-US" sz="5700" b="1" smtClean="0">
                 <a:latin typeface="Sitka Banner"/>
                 <a:cs typeface="Segoe UI"/>
               </a:rPr>
-              <a:t> </a:t>
+              <a:t>Enfocar</a:t>
             </a:r>
-            <a:r>
-              <a:rPr lang="en-US" sz="5600" b="1" i="1" kern="1200" spc="100" baseline="0" dirty="0">
-                <a:latin typeface="Sitka Banner"/>
-                <a:cs typeface="Segoe UI"/>
-              </a:rPr>
-              <a:t>Notebook</a:t>
-            </a:r>
-            <a:r>
-              <a:rPr lang="en-US" sz="5700" b="1" i="1" kern="1200" spc="100" baseline="0" dirty="0">
-                <a:latin typeface="Sitka Banner"/>
-                <a:cs typeface="Segoe UI"/>
-              </a:rPr>
-              <a:t> Tracking </a:t>
-            </a:r>
-            <a:r>
-              <a:rPr lang="en-US" sz="5700" b="1" i="1" kern="1200" spc="100" baseline="0" dirty="0"/>
-              <a:t/>
-            </a:r>
-            <a:br>
-              <a:rPr lang="en-US" sz="5700" b="1" i="1" kern="1200" spc="100" baseline="0" dirty="0"/>
-            </a:br>
-            <a:r>
-              <a:rPr lang="en-US" sz="5700" b="1" i="1" kern="1200" spc="100" baseline="0" dirty="0">
-                <a:latin typeface="Sitka Banner"/>
-                <a:cs typeface="Segoe UI"/>
-              </a:rPr>
-              <a:t>System</a:t>
-            </a:r>
-            <a:endParaRPr lang="en-US" sz="5700"/>
+            <a:endParaRPr lang="en-US" sz="5700" dirty="0"/>
           </a:p>
         </p:txBody>
       </p:sp>
@@ -17479,7 +17451,7 @@
           <p:cNvPr id="7" name="Picture 3" descr="Writing an appointment on a paper agenda">
             <a:extLst>
               <a:ext uri="{FF2B5EF4-FFF2-40B4-BE49-F238E27FC236}">
-                <a16:creationId xmlns:a16="http://schemas.microsoft.com/office/drawing/2014/main" xmlns="" id="{DA7A2DB3-0CA4-4361-BA75-8BCA3FE9496F}"/>
+                <a16:creationId xmlns="" xmlns:a16="http://schemas.microsoft.com/office/drawing/2014/main" id="{DA7A2DB3-0CA4-4361-BA75-8BCA3FE9496F}"/>
               </a:ext>
             </a:extLst>
           </p:cNvPr>
@@ -17508,10 +17480,10 @@
           <p:cNvPr id="84" name="Straight Connector 83">
             <a:extLst>
               <a:ext uri="{FF2B5EF4-FFF2-40B4-BE49-F238E27FC236}">
-                <a16:creationId xmlns:a16="http://schemas.microsoft.com/office/drawing/2014/main" xmlns="" id="{DF96FA98-52E5-4AA7-98B9-BE6200CF014D}"/>
+                <a16:creationId xmlns="" xmlns:a16="http://schemas.microsoft.com/office/drawing/2014/main" id="{DF96FA98-52E5-4AA7-98B9-BE6200CF014D}"/>
               </a:ext>
               <a:ext uri="{C183D7F6-B498-43B3-948B-1728B52AA6E4}">
-                <adec:decorative xmlns:adec="http://schemas.microsoft.com/office/drawing/2017/decorative" xmlns="" val="1"/>
+                <adec:decorative xmlns="" xmlns:adec="http://schemas.microsoft.com/office/drawing/2017/decorative" val="1"/>
               </a:ext>
             </a:extLst>
           </p:cNvPr>
@@ -17521,7 +17493,7 @@
           <p:nvPr>
             <p:extLst>
               <p:ext uri="{386F3935-93C4-4BCD-93E2-E3B085C9AB24}">
-                <p16:designElem xmlns:p16="http://schemas.microsoft.com/office/powerpoint/2015/main" xmlns="" val="1"/>
+                <p16:designElem xmlns="" xmlns:p16="http://schemas.microsoft.com/office/powerpoint/2015/main" val="1"/>
               </p:ext>
             </p:extLst>
           </p:nvPr>
@@ -17677,10 +17649,10 @@
           <p:cNvPr id="86" name="Freeform 6">
             <a:extLst>
               <a:ext uri="{FF2B5EF4-FFF2-40B4-BE49-F238E27FC236}">
-                <a16:creationId xmlns:a16="http://schemas.microsoft.com/office/drawing/2014/main" xmlns="" id="{A101E513-AF74-4E9D-A31F-99664250722D}"/>
+                <a16:creationId xmlns="" xmlns:a16="http://schemas.microsoft.com/office/drawing/2014/main" id="{A101E513-AF74-4E9D-A31F-99664250722D}"/>
               </a:ext>
               <a:ext uri="{C183D7F6-B498-43B3-948B-1728B52AA6E4}">
-                <adec:decorative xmlns:adec="http://schemas.microsoft.com/office/drawing/2017/decorative" xmlns="" val="1"/>
+                <adec:decorative xmlns="" xmlns:adec="http://schemas.microsoft.com/office/drawing/2017/decorative" val="1"/>
               </a:ext>
             </a:extLst>
           </p:cNvPr>
@@ -17690,7 +17662,7 @@
           <p:nvPr>
             <p:extLst>
               <p:ext uri="{386F3935-93C4-4BCD-93E2-E3B085C9AB24}">
-                <p16:designElem xmlns:p16="http://schemas.microsoft.com/office/powerpoint/2015/main" xmlns="" val="1"/>
+                <p16:designElem xmlns="" xmlns:p16="http://schemas.microsoft.com/office/powerpoint/2015/main" val="1"/>
               </p:ext>
             </p:extLst>
           </p:nvPr>
@@ -17931,10 +17903,10 @@
           <p:cNvPr id="22" name="Freeform 6">
             <a:extLst>
               <a:ext uri="{FF2B5EF4-FFF2-40B4-BE49-F238E27FC236}">
-                <a16:creationId xmlns:a16="http://schemas.microsoft.com/office/drawing/2014/main" xmlns="" id="{72411438-92A5-42B0-9C54-EA4FB32ACB5E}"/>
+                <a16:creationId xmlns="" xmlns:a16="http://schemas.microsoft.com/office/drawing/2014/main" id="{72411438-92A5-42B0-9C54-EA4FB32ACB5E}"/>
               </a:ext>
               <a:ext uri="{C183D7F6-B498-43B3-948B-1728B52AA6E4}">
-                <adec:decorative xmlns:adec="http://schemas.microsoft.com/office/drawing/2017/decorative" xmlns="" val="1"/>
+                <adec:decorative xmlns="" xmlns:adec="http://schemas.microsoft.com/office/drawing/2017/decorative" val="1"/>
               </a:ext>
             </a:extLst>
           </p:cNvPr>
@@ -17944,7 +17916,7 @@
           <p:nvPr>
             <p:extLst>
               <p:ext uri="{386F3935-93C4-4BCD-93E2-E3B085C9AB24}">
-                <p16:designElem xmlns:p16="http://schemas.microsoft.com/office/powerpoint/2015/main" xmlns="" val="1"/>
+                <p16:designElem xmlns="" xmlns:p16="http://schemas.microsoft.com/office/powerpoint/2015/main" val="1"/>
               </p:ext>
             </p:extLst>
           </p:nvPr>
@@ -18155,10 +18127,10 @@
           <p:cNvPr id="23" name="Rectangle 12">
             <a:extLst>
               <a:ext uri="{FF2B5EF4-FFF2-40B4-BE49-F238E27FC236}">
-                <a16:creationId xmlns:a16="http://schemas.microsoft.com/office/drawing/2014/main" xmlns="" id="{C5176844-69C3-4F79-BE38-EA5BDDF4FEA4}"/>
+                <a16:creationId xmlns="" xmlns:a16="http://schemas.microsoft.com/office/drawing/2014/main" id="{C5176844-69C3-4F79-BE38-EA5BDDF4FEA4}"/>
               </a:ext>
               <a:ext uri="{C183D7F6-B498-43B3-948B-1728B52AA6E4}">
-                <adec:decorative xmlns:adec="http://schemas.microsoft.com/office/drawing/2017/decorative" xmlns="" val="1"/>
+                <adec:decorative xmlns="" xmlns:adec="http://schemas.microsoft.com/office/drawing/2017/decorative" val="1"/>
               </a:ext>
             </a:extLst>
           </p:cNvPr>
@@ -18168,7 +18140,7 @@
           <p:nvPr>
             <p:extLst>
               <p:ext uri="{386F3935-93C4-4BCD-93E2-E3B085C9AB24}">
-                <p16:designElem xmlns:p16="http://schemas.microsoft.com/office/powerpoint/2015/main" xmlns="" val="1"/>
+                <p16:designElem xmlns="" xmlns:p16="http://schemas.microsoft.com/office/powerpoint/2015/main" val="1"/>
               </p:ext>
             </p:extLst>
           </p:nvPr>
@@ -18215,10 +18187,10 @@
           <p:cNvPr id="24" name="Rectangle 14">
             <a:extLst>
               <a:ext uri="{FF2B5EF4-FFF2-40B4-BE49-F238E27FC236}">
-                <a16:creationId xmlns:a16="http://schemas.microsoft.com/office/drawing/2014/main" xmlns="" id="{CEB9CCF0-FDC8-4563-ADE4-F400B6BD14AA}"/>
+                <a16:creationId xmlns="" xmlns:a16="http://schemas.microsoft.com/office/drawing/2014/main" id="{CEB9CCF0-FDC8-4563-ADE4-F400B6BD14AA}"/>
               </a:ext>
               <a:ext uri="{C183D7F6-B498-43B3-948B-1728B52AA6E4}">
-                <adec:decorative xmlns:adec="http://schemas.microsoft.com/office/drawing/2017/decorative" xmlns="" val="1"/>
+                <adec:decorative xmlns="" xmlns:adec="http://schemas.microsoft.com/office/drawing/2017/decorative" val="1"/>
               </a:ext>
             </a:extLst>
           </p:cNvPr>
@@ -18228,7 +18200,7 @@
           <p:nvPr>
             <p:extLst>
               <p:ext uri="{386F3935-93C4-4BCD-93E2-E3B085C9AB24}">
-                <p16:designElem xmlns:p16="http://schemas.microsoft.com/office/powerpoint/2015/main" xmlns="" val="1"/>
+                <p16:designElem xmlns="" xmlns:p16="http://schemas.microsoft.com/office/powerpoint/2015/main" val="1"/>
               </p:ext>
             </p:extLst>
           </p:nvPr>
@@ -18281,7 +18253,7 @@
           <p:cNvPr id="4" name="TextBox 3">
             <a:extLst>
               <a:ext uri="{FF2B5EF4-FFF2-40B4-BE49-F238E27FC236}">
-                <a16:creationId xmlns:a16="http://schemas.microsoft.com/office/drawing/2014/main" xmlns="" id="{D5AE7C2C-89C8-4DFA-B7EB-73C420CAA744}"/>
+                <a16:creationId xmlns="" xmlns:a16="http://schemas.microsoft.com/office/drawing/2014/main" id="{D5AE7C2C-89C8-4DFA-B7EB-73C420CAA744}"/>
               </a:ext>
             </a:extLst>
           </p:cNvPr>
@@ -18333,10 +18305,10 @@
           <p:cNvPr id="25" name="Freeform 6">
             <a:extLst>
               <a:ext uri="{FF2B5EF4-FFF2-40B4-BE49-F238E27FC236}">
-                <a16:creationId xmlns:a16="http://schemas.microsoft.com/office/drawing/2014/main" xmlns="" id="{A101E513-AF74-4E9D-A31F-99664250722D}"/>
+                <a16:creationId xmlns="" xmlns:a16="http://schemas.microsoft.com/office/drawing/2014/main" id="{A101E513-AF74-4E9D-A31F-99664250722D}"/>
               </a:ext>
               <a:ext uri="{C183D7F6-B498-43B3-948B-1728B52AA6E4}">
-                <adec:decorative xmlns:adec="http://schemas.microsoft.com/office/drawing/2017/decorative" xmlns="" val="1"/>
+                <adec:decorative xmlns="" xmlns:adec="http://schemas.microsoft.com/office/drawing/2017/decorative" val="1"/>
               </a:ext>
             </a:extLst>
           </p:cNvPr>
@@ -18346,7 +18318,7 @@
           <p:nvPr>
             <p:extLst>
               <p:ext uri="{386F3935-93C4-4BCD-93E2-E3B085C9AB24}">
-                <p16:designElem xmlns:p16="http://schemas.microsoft.com/office/powerpoint/2015/main" xmlns="" val="1"/>
+                <p16:designElem xmlns="" xmlns:p16="http://schemas.microsoft.com/office/powerpoint/2015/main" val="1"/>
               </p:ext>
             </p:extLst>
           </p:nvPr>
@@ -18557,7 +18529,7 @@
           <p:cNvPr id="26" name="TextBox 4">
             <a:extLst>
               <a:ext uri="{FF2B5EF4-FFF2-40B4-BE49-F238E27FC236}">
-                <a16:creationId xmlns:a16="http://schemas.microsoft.com/office/drawing/2014/main" xmlns="" id="{C68616D7-EDB9-4C10-A40D-0AFBEC0D9C41}"/>
+                <a16:creationId xmlns="" xmlns:a16="http://schemas.microsoft.com/office/drawing/2014/main" id="{C68616D7-EDB9-4C10-A40D-0AFBEC0D9C41}"/>
               </a:ext>
             </a:extLst>
           </p:cNvPr>
@@ -18623,10 +18595,10 @@
           <p:cNvPr id="27" name="Freeform 6">
             <a:extLst>
               <a:ext uri="{FF2B5EF4-FFF2-40B4-BE49-F238E27FC236}">
-                <a16:creationId xmlns:a16="http://schemas.microsoft.com/office/drawing/2014/main" xmlns="" id="{72411438-92A5-42B0-9C54-EA4FB32ACB5E}"/>
+                <a16:creationId xmlns="" xmlns:a16="http://schemas.microsoft.com/office/drawing/2014/main" id="{72411438-92A5-42B0-9C54-EA4FB32ACB5E}"/>
               </a:ext>
               <a:ext uri="{C183D7F6-B498-43B3-948B-1728B52AA6E4}">
-                <adec:decorative xmlns:adec="http://schemas.microsoft.com/office/drawing/2017/decorative" xmlns="" val="1"/>
+                <adec:decorative xmlns="" xmlns:adec="http://schemas.microsoft.com/office/drawing/2017/decorative" val="1"/>
               </a:ext>
             </a:extLst>
           </p:cNvPr>
@@ -18636,7 +18608,7 @@
           <p:nvPr>
             <p:extLst>
               <p:ext uri="{386F3935-93C4-4BCD-93E2-E3B085C9AB24}">
-                <p16:designElem xmlns:p16="http://schemas.microsoft.com/office/powerpoint/2015/main" xmlns="" val="1"/>
+                <p16:designElem xmlns="" xmlns:p16="http://schemas.microsoft.com/office/powerpoint/2015/main" val="1"/>
               </p:ext>
             </p:extLst>
           </p:nvPr>
@@ -18847,10 +18819,10 @@
           <p:cNvPr id="29" name="Rectangle 28">
             <a:extLst>
               <a:ext uri="{FF2B5EF4-FFF2-40B4-BE49-F238E27FC236}">
-                <a16:creationId xmlns:a16="http://schemas.microsoft.com/office/drawing/2014/main" xmlns="" id="{C5176844-69C3-4F79-BE38-EA5BDDF4FEA4}"/>
+                <a16:creationId xmlns="" xmlns:a16="http://schemas.microsoft.com/office/drawing/2014/main" id="{C5176844-69C3-4F79-BE38-EA5BDDF4FEA4}"/>
               </a:ext>
               <a:ext uri="{C183D7F6-B498-43B3-948B-1728B52AA6E4}">
-                <adec:decorative xmlns:adec="http://schemas.microsoft.com/office/drawing/2017/decorative" xmlns="" val="1"/>
+                <adec:decorative xmlns="" xmlns:adec="http://schemas.microsoft.com/office/drawing/2017/decorative" val="1"/>
               </a:ext>
             </a:extLst>
           </p:cNvPr>
@@ -18860,7 +18832,7 @@
           <p:nvPr>
             <p:extLst>
               <p:ext uri="{386F3935-93C4-4BCD-93E2-E3B085C9AB24}">
-                <p16:designElem xmlns:p16="http://schemas.microsoft.com/office/powerpoint/2015/main" xmlns="" val="1"/>
+                <p16:designElem xmlns="" xmlns:p16="http://schemas.microsoft.com/office/powerpoint/2015/main" val="1"/>
               </p:ext>
             </p:extLst>
           </p:nvPr>
@@ -18907,10 +18879,10 @@
           <p:cNvPr id="31" name="Rectangle 30">
             <a:extLst>
               <a:ext uri="{FF2B5EF4-FFF2-40B4-BE49-F238E27FC236}">
-                <a16:creationId xmlns:a16="http://schemas.microsoft.com/office/drawing/2014/main" xmlns="" id="{41113FF5-9B84-4A89-BF52-EA3C7E01AA3B}"/>
+                <a16:creationId xmlns="" xmlns:a16="http://schemas.microsoft.com/office/drawing/2014/main" id="{41113FF5-9B84-4A89-BF52-EA3C7E01AA3B}"/>
               </a:ext>
               <a:ext uri="{C183D7F6-B498-43B3-948B-1728B52AA6E4}">
-                <adec:decorative xmlns:adec="http://schemas.microsoft.com/office/drawing/2017/decorative" xmlns="" val="1"/>
+                <adec:decorative xmlns="" xmlns:adec="http://schemas.microsoft.com/office/drawing/2017/decorative" val="1"/>
               </a:ext>
             </a:extLst>
           </p:cNvPr>
@@ -18920,7 +18892,7 @@
           <p:nvPr>
             <p:extLst>
               <p:ext uri="{386F3935-93C4-4BCD-93E2-E3B085C9AB24}">
-                <p16:designElem xmlns:p16="http://schemas.microsoft.com/office/powerpoint/2015/main" xmlns="" val="1"/>
+                <p16:designElem xmlns="" xmlns:p16="http://schemas.microsoft.com/office/powerpoint/2015/main" val="1"/>
               </p:ext>
             </p:extLst>
           </p:nvPr>
@@ -18973,7 +18945,7 @@
           <p:cNvPr id="5" name="TextBox 4">
             <a:extLst>
               <a:ext uri="{FF2B5EF4-FFF2-40B4-BE49-F238E27FC236}">
-                <a16:creationId xmlns:a16="http://schemas.microsoft.com/office/drawing/2014/main" xmlns="" id="{B67A454C-F555-4351-ADAE-B25D0DB3D945}"/>
+                <a16:creationId xmlns="" xmlns:a16="http://schemas.microsoft.com/office/drawing/2014/main" id="{B67A454C-F555-4351-ADAE-B25D0DB3D945}"/>
               </a:ext>
             </a:extLst>
           </p:cNvPr>
@@ -19077,7 +19049,7 @@
           <p:cNvPr id="6" name="TextBox 5">
             <a:extLst>
               <a:ext uri="{FF2B5EF4-FFF2-40B4-BE49-F238E27FC236}">
-                <a16:creationId xmlns:a16="http://schemas.microsoft.com/office/drawing/2014/main" xmlns="" id="{37E6C07F-0C62-424F-96CD-E2D8769D8F8F}"/>
+                <a16:creationId xmlns="" xmlns:a16="http://schemas.microsoft.com/office/drawing/2014/main" id="{37E6C07F-0C62-424F-96CD-E2D8769D8F8F}"/>
               </a:ext>
             </a:extLst>
           </p:cNvPr>
@@ -19205,10 +19177,10 @@
           <p:cNvPr id="33" name="Freeform 6">
             <a:extLst>
               <a:ext uri="{FF2B5EF4-FFF2-40B4-BE49-F238E27FC236}">
-                <a16:creationId xmlns:a16="http://schemas.microsoft.com/office/drawing/2014/main" xmlns="" id="{A101E513-AF74-4E9D-A31F-99664250722D}"/>
+                <a16:creationId xmlns="" xmlns:a16="http://schemas.microsoft.com/office/drawing/2014/main" id="{A101E513-AF74-4E9D-A31F-99664250722D}"/>
               </a:ext>
               <a:ext uri="{C183D7F6-B498-43B3-948B-1728B52AA6E4}">
-                <adec:decorative xmlns:adec="http://schemas.microsoft.com/office/drawing/2017/decorative" xmlns="" val="1"/>
+                <adec:decorative xmlns="" xmlns:adec="http://schemas.microsoft.com/office/drawing/2017/decorative" val="1"/>
               </a:ext>
             </a:extLst>
           </p:cNvPr>
@@ -19218,7 +19190,7 @@
           <p:nvPr>
             <p:extLst>
               <p:ext uri="{386F3935-93C4-4BCD-93E2-E3B085C9AB24}">
-                <p16:designElem xmlns:p16="http://schemas.microsoft.com/office/powerpoint/2015/main" xmlns="" val="1"/>
+                <p16:designElem xmlns="" xmlns:p16="http://schemas.microsoft.com/office/powerpoint/2015/main" val="1"/>
               </p:ext>
             </p:extLst>
           </p:nvPr>
@@ -19467,10 +19439,10 @@
           <p:cNvPr id="64" name="Freeform 6">
             <a:extLst>
               <a:ext uri="{FF2B5EF4-FFF2-40B4-BE49-F238E27FC236}">
-                <a16:creationId xmlns:a16="http://schemas.microsoft.com/office/drawing/2014/main" xmlns="" id="{72411438-92A5-42B0-9C54-EA4FB32ACB5E}"/>
+                <a16:creationId xmlns="" xmlns:a16="http://schemas.microsoft.com/office/drawing/2014/main" id="{72411438-92A5-42B0-9C54-EA4FB32ACB5E}"/>
               </a:ext>
               <a:ext uri="{C183D7F6-B498-43B3-948B-1728B52AA6E4}">
-                <adec:decorative xmlns:adec="http://schemas.microsoft.com/office/drawing/2017/decorative" xmlns="" val="1"/>
+                <adec:decorative xmlns="" xmlns:adec="http://schemas.microsoft.com/office/drawing/2017/decorative" val="1"/>
               </a:ext>
             </a:extLst>
           </p:cNvPr>
@@ -19480,7 +19452,7 @@
           <p:nvPr>
             <p:extLst>
               <p:ext uri="{386F3935-93C4-4BCD-93E2-E3B085C9AB24}">
-                <p16:designElem xmlns:p16="http://schemas.microsoft.com/office/powerpoint/2015/main" xmlns="" val="1"/>
+                <p16:designElem xmlns="" xmlns:p16="http://schemas.microsoft.com/office/powerpoint/2015/main" val="1"/>
               </p:ext>
             </p:extLst>
           </p:nvPr>
@@ -19691,10 +19663,10 @@
           <p:cNvPr id="66" name="Rectangle 65">
             <a:extLst>
               <a:ext uri="{FF2B5EF4-FFF2-40B4-BE49-F238E27FC236}">
-                <a16:creationId xmlns:a16="http://schemas.microsoft.com/office/drawing/2014/main" xmlns="" id="{C5176844-69C3-4F79-BE38-EA5BDDF4FEA4}"/>
+                <a16:creationId xmlns="" xmlns:a16="http://schemas.microsoft.com/office/drawing/2014/main" id="{C5176844-69C3-4F79-BE38-EA5BDDF4FEA4}"/>
               </a:ext>
               <a:ext uri="{C183D7F6-B498-43B3-948B-1728B52AA6E4}">
-                <adec:decorative xmlns:adec="http://schemas.microsoft.com/office/drawing/2017/decorative" xmlns="" val="1"/>
+                <adec:decorative xmlns="" xmlns:adec="http://schemas.microsoft.com/office/drawing/2017/decorative" val="1"/>
               </a:ext>
             </a:extLst>
           </p:cNvPr>
@@ -19704,7 +19676,7 @@
           <p:nvPr>
             <p:extLst>
               <p:ext uri="{386F3935-93C4-4BCD-93E2-E3B085C9AB24}">
-                <p16:designElem xmlns:p16="http://schemas.microsoft.com/office/powerpoint/2015/main" xmlns="" val="1"/>
+                <p16:designElem xmlns="" xmlns:p16="http://schemas.microsoft.com/office/powerpoint/2015/main" val="1"/>
               </p:ext>
             </p:extLst>
           </p:nvPr>
@@ -19751,10 +19723,10 @@
           <p:cNvPr id="68" name="Rectangle 67">
             <a:extLst>
               <a:ext uri="{FF2B5EF4-FFF2-40B4-BE49-F238E27FC236}">
-                <a16:creationId xmlns:a16="http://schemas.microsoft.com/office/drawing/2014/main" xmlns="" id="{41113FF5-9B84-4A89-BF52-EA3C7E01AA3B}"/>
+                <a16:creationId xmlns="" xmlns:a16="http://schemas.microsoft.com/office/drawing/2014/main" id="{41113FF5-9B84-4A89-BF52-EA3C7E01AA3B}"/>
               </a:ext>
               <a:ext uri="{C183D7F6-B498-43B3-948B-1728B52AA6E4}">
-                <adec:decorative xmlns:adec="http://schemas.microsoft.com/office/drawing/2017/decorative" xmlns="" val="1"/>
+                <adec:decorative xmlns="" xmlns:adec="http://schemas.microsoft.com/office/drawing/2017/decorative" val="1"/>
               </a:ext>
             </a:extLst>
           </p:cNvPr>
@@ -19764,7 +19736,7 @@
           <p:nvPr>
             <p:extLst>
               <p:ext uri="{386F3935-93C4-4BCD-93E2-E3B085C9AB24}">
-                <p16:designElem xmlns:p16="http://schemas.microsoft.com/office/powerpoint/2015/main" xmlns="" val="1"/>
+                <p16:designElem xmlns="" xmlns:p16="http://schemas.microsoft.com/office/powerpoint/2015/main" val="1"/>
               </p:ext>
             </p:extLst>
           </p:nvPr>
@@ -19817,7 +19789,7 @@
           <p:cNvPr id="2" name="TextBox 1">
             <a:extLst>
               <a:ext uri="{FF2B5EF4-FFF2-40B4-BE49-F238E27FC236}">
-                <a16:creationId xmlns:a16="http://schemas.microsoft.com/office/drawing/2014/main" xmlns="" id="{E33A9F09-ECC0-4C1E-94EB-4558A83F250E}"/>
+                <a16:creationId xmlns="" xmlns:a16="http://schemas.microsoft.com/office/drawing/2014/main" id="{E33A9F09-ECC0-4C1E-94EB-4558A83F250E}"/>
               </a:ext>
             </a:extLst>
           </p:cNvPr>
@@ -19880,10 +19852,10 @@
           <p:cNvPr id="70" name="Freeform 6">
             <a:extLst>
               <a:ext uri="{FF2B5EF4-FFF2-40B4-BE49-F238E27FC236}">
-                <a16:creationId xmlns:a16="http://schemas.microsoft.com/office/drawing/2014/main" xmlns="" id="{A101E513-AF74-4E9D-A31F-99664250722D}"/>
+                <a16:creationId xmlns="" xmlns:a16="http://schemas.microsoft.com/office/drawing/2014/main" id="{A101E513-AF74-4E9D-A31F-99664250722D}"/>
               </a:ext>
               <a:ext uri="{C183D7F6-B498-43B3-948B-1728B52AA6E4}">
-                <adec:decorative xmlns:adec="http://schemas.microsoft.com/office/drawing/2017/decorative" xmlns="" val="1"/>
+                <adec:decorative xmlns="" xmlns:adec="http://schemas.microsoft.com/office/drawing/2017/decorative" val="1"/>
               </a:ext>
             </a:extLst>
           </p:cNvPr>
@@ -19893,7 +19865,7 @@
           <p:nvPr>
             <p:extLst>
               <p:ext uri="{386F3935-93C4-4BCD-93E2-E3B085C9AB24}">
-                <p16:designElem xmlns:p16="http://schemas.microsoft.com/office/powerpoint/2015/main" xmlns="" val="1"/>
+                <p16:designElem xmlns="" xmlns:p16="http://schemas.microsoft.com/office/powerpoint/2015/main" val="1"/>
               </p:ext>
             </p:extLst>
           </p:nvPr>
@@ -20101,7 +20073,7 @@
           <p:cNvPr id="4" name="TextBox 3">
             <a:extLst>
               <a:ext uri="{FF2B5EF4-FFF2-40B4-BE49-F238E27FC236}">
-                <a16:creationId xmlns:a16="http://schemas.microsoft.com/office/drawing/2014/main" xmlns="" id="{20E6E7F2-3FEB-4640-B580-8BFBE6D610D1}"/>
+                <a16:creationId xmlns="" xmlns:a16="http://schemas.microsoft.com/office/drawing/2014/main" id="{20E6E7F2-3FEB-4640-B580-8BFBE6D610D1}"/>
               </a:ext>
             </a:extLst>
           </p:cNvPr>
@@ -20139,7 +20111,7 @@
           <p:cNvPr id="8" name="TextBox 7">
             <a:extLst>
               <a:ext uri="{FF2B5EF4-FFF2-40B4-BE49-F238E27FC236}">
-                <a16:creationId xmlns:a16="http://schemas.microsoft.com/office/drawing/2014/main" xmlns="" id="{A06084F7-7C52-463B-9933-B9839063F4B9}"/>
+                <a16:creationId xmlns="" xmlns:a16="http://schemas.microsoft.com/office/drawing/2014/main" id="{A06084F7-7C52-463B-9933-B9839063F4B9}"/>
               </a:ext>
             </a:extLst>
           </p:cNvPr>
@@ -20177,7 +20149,7 @@
           <p:cNvPr id="10" name="TextBox 9">
             <a:extLst>
               <a:ext uri="{FF2B5EF4-FFF2-40B4-BE49-F238E27FC236}">
-                <a16:creationId xmlns:a16="http://schemas.microsoft.com/office/drawing/2014/main" xmlns="" id="{0493209A-881E-41BE-853A-5938338B4BA4}"/>
+                <a16:creationId xmlns="" xmlns:a16="http://schemas.microsoft.com/office/drawing/2014/main" id="{0493209A-881E-41BE-853A-5938338B4BA4}"/>
               </a:ext>
             </a:extLst>
           </p:cNvPr>
@@ -20215,7 +20187,7 @@
           <p:cNvPr id="44" name="TextBox 4">
             <a:extLst>
               <a:ext uri="{FF2B5EF4-FFF2-40B4-BE49-F238E27FC236}">
-                <a16:creationId xmlns:a16="http://schemas.microsoft.com/office/drawing/2014/main" xmlns="" id="{1FB8A3FB-F3A8-4F5D-B1C6-4FC5C9F44CD9}"/>
+                <a16:creationId xmlns="" xmlns:a16="http://schemas.microsoft.com/office/drawing/2014/main" id="{1FB8A3FB-F3A8-4F5D-B1C6-4FC5C9F44CD9}"/>
               </a:ext>
             </a:extLst>
           </p:cNvPr>
@@ -20243,7 +20215,7 @@
           <p:cNvPr id="135" name="TextBox 134">
             <a:extLst>
               <a:ext uri="{FF2B5EF4-FFF2-40B4-BE49-F238E27FC236}">
-                <a16:creationId xmlns:a16="http://schemas.microsoft.com/office/drawing/2014/main" xmlns="" id="{6A385B13-4D04-4850-80AB-A6848BCB481B}"/>
+                <a16:creationId xmlns="" xmlns:a16="http://schemas.microsoft.com/office/drawing/2014/main" id="{6A385B13-4D04-4850-80AB-A6848BCB481B}"/>
               </a:ext>
             </a:extLst>
           </p:cNvPr>
@@ -20281,7 +20253,7 @@
           <p:cNvPr id="172" name="TextBox 171">
             <a:extLst>
               <a:ext uri="{FF2B5EF4-FFF2-40B4-BE49-F238E27FC236}">
-                <a16:creationId xmlns:a16="http://schemas.microsoft.com/office/drawing/2014/main" xmlns="" id="{0ACFB99E-FA57-4D63-B785-AEFD5AAAFA70}"/>
+                <a16:creationId xmlns="" xmlns:a16="http://schemas.microsoft.com/office/drawing/2014/main" id="{0ACFB99E-FA57-4D63-B785-AEFD5AAAFA70}"/>
               </a:ext>
             </a:extLst>
           </p:cNvPr>
@@ -20334,7 +20306,7 @@
           <p:cNvPr id="182" name="TextBox 181">
             <a:extLst>
               <a:ext uri="{FF2B5EF4-FFF2-40B4-BE49-F238E27FC236}">
-                <a16:creationId xmlns:a16="http://schemas.microsoft.com/office/drawing/2014/main" xmlns="" id="{7D1E5DE0-451B-4F54-B277-E4953125252B}"/>
+                <a16:creationId xmlns="" xmlns:a16="http://schemas.microsoft.com/office/drawing/2014/main" id="{7D1E5DE0-451B-4F54-B277-E4953125252B}"/>
               </a:ext>
             </a:extLst>
           </p:cNvPr>
@@ -20384,7 +20356,7 @@
           <p:cNvPr id="287" name="TextBox 286">
             <a:extLst>
               <a:ext uri="{FF2B5EF4-FFF2-40B4-BE49-F238E27FC236}">
-                <a16:creationId xmlns:a16="http://schemas.microsoft.com/office/drawing/2014/main" xmlns="" id="{48C376A2-C085-443C-9A7A-4C7B2FE31955}"/>
+                <a16:creationId xmlns="" xmlns:a16="http://schemas.microsoft.com/office/drawing/2014/main" id="{48C376A2-C085-443C-9A7A-4C7B2FE31955}"/>
               </a:ext>
             </a:extLst>
           </p:cNvPr>
@@ -20434,7 +20406,7 @@
           <p:cNvPr id="315" name="TextBox 314">
             <a:extLst>
               <a:ext uri="{FF2B5EF4-FFF2-40B4-BE49-F238E27FC236}">
-                <a16:creationId xmlns:a16="http://schemas.microsoft.com/office/drawing/2014/main" xmlns="" id="{44B6B987-870B-4039-9CED-B340411BEC74}"/>
+                <a16:creationId xmlns="" xmlns:a16="http://schemas.microsoft.com/office/drawing/2014/main" id="{44B6B987-870B-4039-9CED-B340411BEC74}"/>
               </a:ext>
             </a:extLst>
           </p:cNvPr>
@@ -20525,10 +20497,10 @@
           <p:cNvPr id="20" name="Freeform 6">
             <a:extLst>
               <a:ext uri="{FF2B5EF4-FFF2-40B4-BE49-F238E27FC236}">
-                <a16:creationId xmlns:a16="http://schemas.microsoft.com/office/drawing/2014/main" xmlns="" id="{72411438-92A5-42B0-9C54-EA4FB32ACB5E}"/>
+                <a16:creationId xmlns="" xmlns:a16="http://schemas.microsoft.com/office/drawing/2014/main" id="{72411438-92A5-42B0-9C54-EA4FB32ACB5E}"/>
               </a:ext>
               <a:ext uri="{C183D7F6-B498-43B3-948B-1728B52AA6E4}">
-                <adec:decorative xmlns:adec="http://schemas.microsoft.com/office/drawing/2017/decorative" xmlns="" val="1"/>
+                <adec:decorative xmlns="" xmlns:adec="http://schemas.microsoft.com/office/drawing/2017/decorative" val="1"/>
               </a:ext>
             </a:extLst>
           </p:cNvPr>
@@ -20538,7 +20510,7 @@
           <p:nvPr>
             <p:extLst>
               <p:ext uri="{386F3935-93C4-4BCD-93E2-E3B085C9AB24}">
-                <p16:designElem xmlns:p16="http://schemas.microsoft.com/office/powerpoint/2015/main" xmlns="" val="1"/>
+                <p16:designElem xmlns="" xmlns:p16="http://schemas.microsoft.com/office/powerpoint/2015/main" val="1"/>
               </p:ext>
             </p:extLst>
           </p:nvPr>
@@ -20749,10 +20721,10 @@
           <p:cNvPr id="22" name="Rectangle 21">
             <a:extLst>
               <a:ext uri="{FF2B5EF4-FFF2-40B4-BE49-F238E27FC236}">
-                <a16:creationId xmlns:a16="http://schemas.microsoft.com/office/drawing/2014/main" xmlns="" id="{C5176844-69C3-4F79-BE38-EA5BDDF4FEA4}"/>
+                <a16:creationId xmlns="" xmlns:a16="http://schemas.microsoft.com/office/drawing/2014/main" id="{C5176844-69C3-4F79-BE38-EA5BDDF4FEA4}"/>
               </a:ext>
               <a:ext uri="{C183D7F6-B498-43B3-948B-1728B52AA6E4}">
-                <adec:decorative xmlns:adec="http://schemas.microsoft.com/office/drawing/2017/decorative" xmlns="" val="1"/>
+                <adec:decorative xmlns="" xmlns:adec="http://schemas.microsoft.com/office/drawing/2017/decorative" val="1"/>
               </a:ext>
             </a:extLst>
           </p:cNvPr>
@@ -20762,7 +20734,7 @@
           <p:nvPr>
             <p:extLst>
               <p:ext uri="{386F3935-93C4-4BCD-93E2-E3B085C9AB24}">
-                <p16:designElem xmlns:p16="http://schemas.microsoft.com/office/powerpoint/2015/main" xmlns="" val="1"/>
+                <p16:designElem xmlns="" xmlns:p16="http://schemas.microsoft.com/office/powerpoint/2015/main" val="1"/>
               </p:ext>
             </p:extLst>
           </p:nvPr>
@@ -20809,7 +20781,7 @@
           <p:cNvPr id="2" name="TextBox 1">
             <a:extLst>
               <a:ext uri="{FF2B5EF4-FFF2-40B4-BE49-F238E27FC236}">
-                <a16:creationId xmlns:a16="http://schemas.microsoft.com/office/drawing/2014/main" xmlns="" id="{CA9228B6-3646-4F80-8637-35CEEA90D00D}"/>
+                <a16:creationId xmlns="" xmlns:a16="http://schemas.microsoft.com/office/drawing/2014/main" id="{CA9228B6-3646-4F80-8637-35CEEA90D00D}"/>
               </a:ext>
             </a:extLst>
           </p:cNvPr>
@@ -20875,10 +20847,10 @@
           <p:cNvPr id="24" name="Straight Connector 23">
             <a:extLst>
               <a:ext uri="{FF2B5EF4-FFF2-40B4-BE49-F238E27FC236}">
-                <a16:creationId xmlns:a16="http://schemas.microsoft.com/office/drawing/2014/main" xmlns="" id="{33862825-C012-4895-A17E-F3D1F62D89DD}"/>
+                <a16:creationId xmlns="" xmlns:a16="http://schemas.microsoft.com/office/drawing/2014/main" id="{33862825-C012-4895-A17E-F3D1F62D89DD}"/>
               </a:ext>
               <a:ext uri="{C183D7F6-B498-43B3-948B-1728B52AA6E4}">
-                <adec:decorative xmlns:adec="http://schemas.microsoft.com/office/drawing/2017/decorative" xmlns="" val="1"/>
+                <adec:decorative xmlns="" xmlns:adec="http://schemas.microsoft.com/office/drawing/2017/decorative" val="1"/>
               </a:ext>
             </a:extLst>
           </p:cNvPr>
@@ -20888,7 +20860,7 @@
           <p:nvPr>
             <p:extLst>
               <p:ext uri="{386F3935-93C4-4BCD-93E2-E3B085C9AB24}">
-                <p16:designElem xmlns:p16="http://schemas.microsoft.com/office/powerpoint/2015/main" xmlns="" val="1"/>
+                <p16:designElem xmlns="" xmlns:p16="http://schemas.microsoft.com/office/powerpoint/2015/main" val="1"/>
               </p:ext>
             </p:extLst>
           </p:nvPr>
@@ -20930,7 +20902,7 @@
           <p:cNvPr id="3" name="TextBox 2">
             <a:extLst>
               <a:ext uri="{FF2B5EF4-FFF2-40B4-BE49-F238E27FC236}">
-                <a16:creationId xmlns:a16="http://schemas.microsoft.com/office/drawing/2014/main" xmlns="" id="{912B4A2E-C70E-480D-8484-61FE1DC2EBCA}"/>
+                <a16:creationId xmlns="" xmlns:a16="http://schemas.microsoft.com/office/drawing/2014/main" id="{912B4A2E-C70E-480D-8484-61FE1DC2EBCA}"/>
               </a:ext>
             </a:extLst>
           </p:cNvPr>
@@ -21140,10 +21112,10 @@
           <p:cNvPr id="26" name="Freeform: Shape 25">
             <a:extLst>
               <a:ext uri="{FF2B5EF4-FFF2-40B4-BE49-F238E27FC236}">
-                <a16:creationId xmlns:a16="http://schemas.microsoft.com/office/drawing/2014/main" xmlns="" id="{CAF8A158-E51E-4253-820B-3970F73976B6}"/>
+                <a16:creationId xmlns="" xmlns:a16="http://schemas.microsoft.com/office/drawing/2014/main" id="{CAF8A158-E51E-4253-820B-3970F73976B6}"/>
               </a:ext>
               <a:ext uri="{C183D7F6-B498-43B3-948B-1728B52AA6E4}">
-                <adec:decorative xmlns:adec="http://schemas.microsoft.com/office/drawing/2017/decorative" xmlns="" val="1"/>
+                <adec:decorative xmlns="" xmlns:adec="http://schemas.microsoft.com/office/drawing/2017/decorative" val="1"/>
               </a:ext>
             </a:extLst>
           </p:cNvPr>
@@ -21153,7 +21125,7 @@
           <p:nvPr>
             <p:extLst>
               <p:ext uri="{386F3935-93C4-4BCD-93E2-E3B085C9AB24}">
-                <p16:designElem xmlns:p16="http://schemas.microsoft.com/office/powerpoint/2015/main" xmlns="" val="1"/>
+                <p16:designElem xmlns="" xmlns:p16="http://schemas.microsoft.com/office/powerpoint/2015/main" val="1"/>
               </p:ext>
             </p:extLst>
           </p:nvPr>
@@ -21276,7 +21248,7 @@
           <p:cNvPr id="4" name="Picture 4" descr="A picture containing text, clipart, screenshot&#10;&#10;Description automatically generated">
             <a:extLst>
               <a:ext uri="{FF2B5EF4-FFF2-40B4-BE49-F238E27FC236}">
-                <a16:creationId xmlns:a16="http://schemas.microsoft.com/office/drawing/2014/main" xmlns="" id="{69507658-A469-45F9-AA9C-FFB7EA6F7013}"/>
+                <a16:creationId xmlns="" xmlns:a16="http://schemas.microsoft.com/office/drawing/2014/main" id="{69507658-A469-45F9-AA9C-FFB7EA6F7013}"/>
               </a:ext>
             </a:extLst>
           </p:cNvPr>
@@ -21306,10 +21278,10 @@
           <p:cNvPr id="28" name="Freeform 6">
             <a:extLst>
               <a:ext uri="{FF2B5EF4-FFF2-40B4-BE49-F238E27FC236}">
-                <a16:creationId xmlns:a16="http://schemas.microsoft.com/office/drawing/2014/main" xmlns="" id="{A101E513-AF74-4E9D-A31F-99664250722D}"/>
+                <a16:creationId xmlns="" xmlns:a16="http://schemas.microsoft.com/office/drawing/2014/main" id="{A101E513-AF74-4E9D-A31F-99664250722D}"/>
               </a:ext>
               <a:ext uri="{C183D7F6-B498-43B3-948B-1728B52AA6E4}">
-                <adec:decorative xmlns:adec="http://schemas.microsoft.com/office/drawing/2017/decorative" xmlns="" val="1"/>
+                <adec:decorative xmlns="" xmlns:adec="http://schemas.microsoft.com/office/drawing/2017/decorative" val="1"/>
               </a:ext>
             </a:extLst>
           </p:cNvPr>
@@ -21319,7 +21291,7 @@
           <p:nvPr>
             <p:extLst>
               <p:ext uri="{386F3935-93C4-4BCD-93E2-E3B085C9AB24}">
-                <p16:designElem xmlns:p16="http://schemas.microsoft.com/office/powerpoint/2015/main" xmlns="" val="1"/>
+                <p16:designElem xmlns="" xmlns:p16="http://schemas.microsoft.com/office/powerpoint/2015/main" val="1"/>
               </p:ext>
             </p:extLst>
           </p:nvPr>
@@ -21568,10 +21540,10 @@
           <p:cNvPr id="52" name="Freeform 6">
             <a:extLst>
               <a:ext uri="{FF2B5EF4-FFF2-40B4-BE49-F238E27FC236}">
-                <a16:creationId xmlns:a16="http://schemas.microsoft.com/office/drawing/2014/main" xmlns="" id="{72411438-92A5-42B0-9C54-EA4FB32ACB5E}"/>
+                <a16:creationId xmlns="" xmlns:a16="http://schemas.microsoft.com/office/drawing/2014/main" id="{72411438-92A5-42B0-9C54-EA4FB32ACB5E}"/>
               </a:ext>
               <a:ext uri="{C183D7F6-B498-43B3-948B-1728B52AA6E4}">
-                <adec:decorative xmlns:adec="http://schemas.microsoft.com/office/drawing/2017/decorative" xmlns="" val="1"/>
+                <adec:decorative xmlns="" xmlns:adec="http://schemas.microsoft.com/office/drawing/2017/decorative" val="1"/>
               </a:ext>
             </a:extLst>
           </p:cNvPr>
@@ -21581,7 +21553,7 @@
           <p:nvPr>
             <p:extLst>
               <p:ext uri="{386F3935-93C4-4BCD-93E2-E3B085C9AB24}">
-                <p16:designElem xmlns:p16="http://schemas.microsoft.com/office/powerpoint/2015/main" xmlns="" val="1"/>
+                <p16:designElem xmlns="" xmlns:p16="http://schemas.microsoft.com/office/powerpoint/2015/main" val="1"/>
               </p:ext>
             </p:extLst>
           </p:nvPr>
@@ -21792,10 +21764,10 @@
           <p:cNvPr id="53" name="Rectangle 56">
             <a:extLst>
               <a:ext uri="{FF2B5EF4-FFF2-40B4-BE49-F238E27FC236}">
-                <a16:creationId xmlns:a16="http://schemas.microsoft.com/office/drawing/2014/main" xmlns="" id="{C5176844-69C3-4F79-BE38-EA5BDDF4FEA4}"/>
+                <a16:creationId xmlns="" xmlns:a16="http://schemas.microsoft.com/office/drawing/2014/main" id="{C5176844-69C3-4F79-BE38-EA5BDDF4FEA4}"/>
               </a:ext>
               <a:ext uri="{C183D7F6-B498-43B3-948B-1728B52AA6E4}">
-                <adec:decorative xmlns:adec="http://schemas.microsoft.com/office/drawing/2017/decorative" xmlns="" val="1"/>
+                <adec:decorative xmlns="" xmlns:adec="http://schemas.microsoft.com/office/drawing/2017/decorative" val="1"/>
               </a:ext>
             </a:extLst>
           </p:cNvPr>
@@ -21805,7 +21777,7 @@
           <p:nvPr>
             <p:extLst>
               <p:ext uri="{386F3935-93C4-4BCD-93E2-E3B085C9AB24}">
-                <p16:designElem xmlns:p16="http://schemas.microsoft.com/office/powerpoint/2015/main" xmlns="" val="1"/>
+                <p16:designElem xmlns="" xmlns:p16="http://schemas.microsoft.com/office/powerpoint/2015/main" val="1"/>
               </p:ext>
             </p:extLst>
           </p:nvPr>
@@ -21852,7 +21824,7 @@
           <p:cNvPr id="2" name="TextBox 1">
             <a:extLst>
               <a:ext uri="{FF2B5EF4-FFF2-40B4-BE49-F238E27FC236}">
-                <a16:creationId xmlns:a16="http://schemas.microsoft.com/office/drawing/2014/main" xmlns="" id="{6D1C8FBE-8364-4979-BB64-1C63725683BB}"/>
+                <a16:creationId xmlns="" xmlns:a16="http://schemas.microsoft.com/office/drawing/2014/main" id="{6D1C8FBE-8364-4979-BB64-1C63725683BB}"/>
               </a:ext>
             </a:extLst>
           </p:cNvPr>
@@ -21924,10 +21896,10 @@
           <p:cNvPr id="54" name="Freeform 6">
             <a:extLst>
               <a:ext uri="{FF2B5EF4-FFF2-40B4-BE49-F238E27FC236}">
-                <a16:creationId xmlns:a16="http://schemas.microsoft.com/office/drawing/2014/main" xmlns="" id="{A101E513-AF74-4E9D-A31F-99664250722D}"/>
+                <a16:creationId xmlns="" xmlns:a16="http://schemas.microsoft.com/office/drawing/2014/main" id="{A101E513-AF74-4E9D-A31F-99664250722D}"/>
               </a:ext>
               <a:ext uri="{C183D7F6-B498-43B3-948B-1728B52AA6E4}">
-                <adec:decorative xmlns:adec="http://schemas.microsoft.com/office/drawing/2017/decorative" xmlns="" val="1"/>
+                <adec:decorative xmlns="" xmlns:adec="http://schemas.microsoft.com/office/drawing/2017/decorative" val="1"/>
               </a:ext>
             </a:extLst>
           </p:cNvPr>
@@ -21937,7 +21909,7 @@
           <p:nvPr>
             <p:extLst>
               <p:ext uri="{386F3935-93C4-4BCD-93E2-E3B085C9AB24}">
-                <p16:designElem xmlns:p16="http://schemas.microsoft.com/office/powerpoint/2015/main" xmlns="" val="1"/>
+                <p16:designElem xmlns="" xmlns:p16="http://schemas.microsoft.com/office/powerpoint/2015/main" val="1"/>
               </p:ext>
             </p:extLst>
           </p:nvPr>
@@ -22148,7 +22120,7 @@
           <p:cNvPr id="5" name="TextBox 2">
             <a:extLst>
               <a:ext uri="{FF2B5EF4-FFF2-40B4-BE49-F238E27FC236}">
-                <a16:creationId xmlns:a16="http://schemas.microsoft.com/office/drawing/2014/main" xmlns="" id="{5C92FCDF-D51B-4B24-9244-7635E6795EDE}"/>
+                <a16:creationId xmlns="" xmlns:a16="http://schemas.microsoft.com/office/drawing/2014/main" id="{5C92FCDF-D51B-4B24-9244-7635E6795EDE}"/>
               </a:ext>
             </a:extLst>
           </p:cNvPr>
@@ -22176,7 +22148,7 @@
           <p:cNvPr id="110" name="TextBox 109">
             <a:extLst>
               <a:ext uri="{FF2B5EF4-FFF2-40B4-BE49-F238E27FC236}">
-                <a16:creationId xmlns:a16="http://schemas.microsoft.com/office/drawing/2014/main" xmlns="" id="{DB380620-9A58-46C6-BAC2-6875EEC8B34D}"/>
+                <a16:creationId xmlns="" xmlns:a16="http://schemas.microsoft.com/office/drawing/2014/main" id="{DB380620-9A58-46C6-BAC2-6875EEC8B34D}"/>
               </a:ext>
             </a:extLst>
           </p:cNvPr>
@@ -22226,7 +22198,7 @@
           <p:cNvPr id="118" name="TextBox 117">
             <a:extLst>
               <a:ext uri="{FF2B5EF4-FFF2-40B4-BE49-F238E27FC236}">
-                <a16:creationId xmlns:a16="http://schemas.microsoft.com/office/drawing/2014/main" xmlns="" id="{ACD6A26A-D9BD-48F4-8BED-586214AD64E9}"/>
+                <a16:creationId xmlns="" xmlns:a16="http://schemas.microsoft.com/office/drawing/2014/main" id="{ACD6A26A-D9BD-48F4-8BED-586214AD64E9}"/>
               </a:ext>
             </a:extLst>
           </p:cNvPr>
@@ -22314,10 +22286,10 @@
           <p:cNvPr id="29" name="Freeform 6">
             <a:extLst>
               <a:ext uri="{FF2B5EF4-FFF2-40B4-BE49-F238E27FC236}">
-                <a16:creationId xmlns:a16="http://schemas.microsoft.com/office/drawing/2014/main" xmlns="" id="{DD4C4B28-6B4B-4445-8535-F516D74E4AA9}"/>
+                <a16:creationId xmlns="" xmlns:a16="http://schemas.microsoft.com/office/drawing/2014/main" id="{DD4C4B28-6B4B-4445-8535-F516D74E4AA9}"/>
               </a:ext>
               <a:ext uri="{C183D7F6-B498-43B3-948B-1728B52AA6E4}">
-                <adec:decorative xmlns:adec="http://schemas.microsoft.com/office/drawing/2017/decorative" xmlns="" val="1"/>
+                <adec:decorative xmlns="" xmlns:adec="http://schemas.microsoft.com/office/drawing/2017/decorative" val="1"/>
               </a:ext>
             </a:extLst>
           </p:cNvPr>
@@ -22327,7 +22299,7 @@
           <p:nvPr>
             <p:extLst>
               <p:ext uri="{386F3935-93C4-4BCD-93E2-E3B085C9AB24}">
-                <p16:designElem xmlns:p16="http://schemas.microsoft.com/office/powerpoint/2015/main" xmlns="" val="1"/>
+                <p16:designElem xmlns="" xmlns:p16="http://schemas.microsoft.com/office/powerpoint/2015/main" val="1"/>
               </p:ext>
             </p:extLst>
           </p:nvPr>
@@ -22538,10 +22510,10 @@
           <p:cNvPr id="30" name="Straight Connector 33">
             <a:extLst>
               <a:ext uri="{FF2B5EF4-FFF2-40B4-BE49-F238E27FC236}">
-                <a16:creationId xmlns:a16="http://schemas.microsoft.com/office/drawing/2014/main" xmlns="" id="{0CB1C732-7193-4253-8746-850D090A6B4E}"/>
+                <a16:creationId xmlns="" xmlns:a16="http://schemas.microsoft.com/office/drawing/2014/main" id="{0CB1C732-7193-4253-8746-850D090A6B4E}"/>
               </a:ext>
               <a:ext uri="{C183D7F6-B498-43B3-948B-1728B52AA6E4}">
-                <adec:decorative xmlns:adec="http://schemas.microsoft.com/office/drawing/2017/decorative" xmlns="" val="1"/>
+                <adec:decorative xmlns="" xmlns:adec="http://schemas.microsoft.com/office/drawing/2017/decorative" val="1"/>
               </a:ext>
             </a:extLst>
           </p:cNvPr>
@@ -22551,7 +22523,7 @@
           <p:nvPr>
             <p:extLst>
               <p:ext uri="{386F3935-93C4-4BCD-93E2-E3B085C9AB24}">
-                <p16:designElem xmlns:p16="http://schemas.microsoft.com/office/powerpoint/2015/main" xmlns="" val="1"/>
+                <p16:designElem xmlns="" xmlns:p16="http://schemas.microsoft.com/office/powerpoint/2015/main" val="1"/>
               </p:ext>
             </p:extLst>
           </p:nvPr>
@@ -22590,10 +22562,10 @@
           <p:cNvPr id="31" name="Rectangle 35">
             <a:extLst>
               <a:ext uri="{FF2B5EF4-FFF2-40B4-BE49-F238E27FC236}">
-                <a16:creationId xmlns:a16="http://schemas.microsoft.com/office/drawing/2014/main" xmlns="" id="{55B419A7-F817-4767-8CCB-FB0E189C4ACD}"/>
+                <a16:creationId xmlns="" xmlns:a16="http://schemas.microsoft.com/office/drawing/2014/main" id="{55B419A7-F817-4767-8CCB-FB0E189C4ACD}"/>
               </a:ext>
               <a:ext uri="{C183D7F6-B498-43B3-948B-1728B52AA6E4}">
-                <adec:decorative xmlns:adec="http://schemas.microsoft.com/office/drawing/2017/decorative" xmlns="" val="1"/>
+                <adec:decorative xmlns="" xmlns:adec="http://schemas.microsoft.com/office/drawing/2017/decorative" val="1"/>
               </a:ext>
             </a:extLst>
           </p:cNvPr>
@@ -22603,7 +22575,7 @@
           <p:nvPr>
             <p:extLst>
               <p:ext uri="{386F3935-93C4-4BCD-93E2-E3B085C9AB24}">
-                <p16:designElem xmlns:p16="http://schemas.microsoft.com/office/powerpoint/2015/main" xmlns="" val="1"/>
+                <p16:designElem xmlns="" xmlns:p16="http://schemas.microsoft.com/office/powerpoint/2015/main" val="1"/>
               </p:ext>
             </p:extLst>
           </p:nvPr>
@@ -22656,7 +22628,7 @@
           <p:cNvPr id="2" name="TextBox 1">
             <a:extLst>
               <a:ext uri="{FF2B5EF4-FFF2-40B4-BE49-F238E27FC236}">
-                <a16:creationId xmlns:a16="http://schemas.microsoft.com/office/drawing/2014/main" xmlns="" id="{6AF51CDD-EA50-4BE5-B097-33073A3545BE}"/>
+                <a16:creationId xmlns="" xmlns:a16="http://schemas.microsoft.com/office/drawing/2014/main" id="{6AF51CDD-EA50-4BE5-B097-33073A3545BE}"/>
               </a:ext>
             </a:extLst>
           </p:cNvPr>
@@ -22729,10 +22701,10 @@
           <p:cNvPr id="33" name="Freeform: Shape 37">
             <a:extLst>
               <a:ext uri="{FF2B5EF4-FFF2-40B4-BE49-F238E27FC236}">
-                <a16:creationId xmlns:a16="http://schemas.microsoft.com/office/drawing/2014/main" xmlns="" id="{AAD3D935-ECFC-4862-B395-207C13BAC3B7}"/>
+                <a16:creationId xmlns="" xmlns:a16="http://schemas.microsoft.com/office/drawing/2014/main" id="{AAD3D935-ECFC-4862-B395-207C13BAC3B7}"/>
               </a:ext>
               <a:ext uri="{C183D7F6-B498-43B3-948B-1728B52AA6E4}">
-                <adec:decorative xmlns:adec="http://schemas.microsoft.com/office/drawing/2017/decorative" xmlns="" val="1"/>
+                <adec:decorative xmlns="" xmlns:adec="http://schemas.microsoft.com/office/drawing/2017/decorative" val="1"/>
               </a:ext>
             </a:extLst>
           </p:cNvPr>
@@ -22742,7 +22714,7 @@
           <p:nvPr>
             <p:extLst>
               <p:ext uri="{386F3935-93C4-4BCD-93E2-E3B085C9AB24}">
-                <p16:designElem xmlns:p16="http://schemas.microsoft.com/office/powerpoint/2015/main" xmlns="" val="1"/>
+                <p16:designElem xmlns="" xmlns:p16="http://schemas.microsoft.com/office/powerpoint/2015/main" val="1"/>
               </p:ext>
             </p:extLst>
           </p:nvPr>
@@ -22865,7 +22837,7 @@
           <p:cNvPr id="14" name="Graphic 13" descr="Handshake">
             <a:extLst>
               <a:ext uri="{FF2B5EF4-FFF2-40B4-BE49-F238E27FC236}">
-                <a16:creationId xmlns:a16="http://schemas.microsoft.com/office/drawing/2014/main" xmlns="" id="{FA3A9FF7-C713-42C6-B166-7FD1DC42D09F}"/>
+                <a16:creationId xmlns="" xmlns:a16="http://schemas.microsoft.com/office/drawing/2014/main" id="{FA3A9FF7-C713-42C6-B166-7FD1DC42D09F}"/>
               </a:ext>
             </a:extLst>
           </p:cNvPr>
@@ -22881,7 +22853,7 @@
                 <a14:useLocalDpi xmlns:a14="http://schemas.microsoft.com/office/drawing/2010/main" val="0"/>
               </a:ext>
               <a:ext uri="{96DAC541-7B7A-43D3-8B79-37D633B846F1}">
-                <asvg:svgBlip xmlns:asvg="http://schemas.microsoft.com/office/drawing/2016/SVG/main" xmlns="" r:embed="rId3"/>
+                <asvg:svgBlip xmlns="" xmlns:asvg="http://schemas.microsoft.com/office/drawing/2016/SVG/main" r:embed="rId3"/>
               </a:ext>
             </a:extLst>
           </a:blip>
@@ -22904,10 +22876,10 @@
           <p:cNvPr id="35" name="Straight Connector 39">
             <a:extLst>
               <a:ext uri="{FF2B5EF4-FFF2-40B4-BE49-F238E27FC236}">
-                <a16:creationId xmlns:a16="http://schemas.microsoft.com/office/drawing/2014/main" xmlns="" id="{E3B95BE3-D5B2-4F38-9A01-17866C9FBA6E}"/>
+                <a16:creationId xmlns="" xmlns:a16="http://schemas.microsoft.com/office/drawing/2014/main" id="{E3B95BE3-D5B2-4F38-9A01-17866C9FBA6E}"/>
               </a:ext>
               <a:ext uri="{C183D7F6-B498-43B3-948B-1728B52AA6E4}">
-                <adec:decorative xmlns:adec="http://schemas.microsoft.com/office/drawing/2017/decorative" xmlns="" val="1"/>
+                <adec:decorative xmlns="" xmlns:adec="http://schemas.microsoft.com/office/drawing/2017/decorative" val="1"/>
               </a:ext>
             </a:extLst>
           </p:cNvPr>
@@ -22917,7 +22889,7 @@
           <p:nvPr>
             <p:extLst>
               <p:ext uri="{386F3935-93C4-4BCD-93E2-E3B085C9AB24}">
-                <p16:designElem xmlns:p16="http://schemas.microsoft.com/office/powerpoint/2015/main" xmlns="" val="1"/>
+                <p16:designElem xmlns="" xmlns:p16="http://schemas.microsoft.com/office/powerpoint/2015/main" val="1"/>
               </p:ext>
             </p:extLst>
           </p:nvPr>
@@ -22956,10 +22928,10 @@
           <p:cNvPr id="42" name="Freeform 6">
             <a:extLst>
               <a:ext uri="{FF2B5EF4-FFF2-40B4-BE49-F238E27FC236}">
-                <a16:creationId xmlns:a16="http://schemas.microsoft.com/office/drawing/2014/main" xmlns="" id="{ADA271CD-3011-4A05-B4A3-80F1794684F2}"/>
+                <a16:creationId xmlns="" xmlns:a16="http://schemas.microsoft.com/office/drawing/2014/main" id="{ADA271CD-3011-4A05-B4A3-80F1794684F2}"/>
               </a:ext>
               <a:ext uri="{C183D7F6-B498-43B3-948B-1728B52AA6E4}">
-                <adec:decorative xmlns:adec="http://schemas.microsoft.com/office/drawing/2017/decorative" xmlns="" val="1"/>
+                <adec:decorative xmlns="" xmlns:adec="http://schemas.microsoft.com/office/drawing/2017/decorative" val="1"/>
               </a:ext>
             </a:extLst>
           </p:cNvPr>
@@ -22969,7 +22941,7 @@
           <p:nvPr>
             <p:extLst>
               <p:ext uri="{386F3935-93C4-4BCD-93E2-E3B085C9AB24}">
-                <p16:designElem xmlns:p16="http://schemas.microsoft.com/office/powerpoint/2015/main" xmlns="" val="1"/>
+                <p16:designElem xmlns="" xmlns:p16="http://schemas.microsoft.com/office/powerpoint/2015/main" val="1"/>
               </p:ext>
             </p:extLst>
           </p:nvPr>
@@ -23383,7 +23355,7 @@
   <a:extraClrSchemeLst/>
   <a:extLst>
     <a:ext uri="{05A4C25C-085E-4340-85A3-A5531E510DB2}">
-      <thm15:themeFamily xmlns:thm15="http://schemas.microsoft.com/office/thememl/2012/main" xmlns="" name="HeadlinesVTI" id="{66EB4A02-0C0F-47F1-9F48-4E6882B9F967}" vid="{F3552358-4452-4FDA-9568-4F5DA32F7A60}"/>
+      <thm15:themeFamily xmlns="" xmlns:thm15="http://schemas.microsoft.com/office/thememl/2012/main" name="HeadlinesVTI" id="{66EB4A02-0C0F-47F1-9F48-4E6882B9F967}" vid="{F3552358-4452-4FDA-9568-4F5DA32F7A60}"/>
     </a:ext>
   </a:extLst>
 </a:theme>
